--- a/presentations/Images/second_präsentation_qsa_grafik.pptx
+++ b/presentations/Images/second_präsentation_qsa_grafik.pptx
@@ -10,6 +10,7 @@
     <p:sldId id="259" r:id="rId4"/>
     <p:sldId id="258" r:id="rId5"/>
     <p:sldId id="260" r:id="rId6"/>
+    <p:sldId id="261" r:id="rId7"/>
   </p:sldIdLst>
   <p:sldSz cx="12192000" cy="6858000"/>
   <p:notesSz cx="6858000" cy="9144000"/>
@@ -3976,8 +3977,8 @@
             </p:style>
           </p:cxnSp>
         </p:grpSp>
-        <mc:AlternateContent xmlns:mc="http://schemas.openxmlformats.org/markup-compatibility/2006">
-          <mc:Choice xmlns:a14="http://schemas.microsoft.com/office/drawing/2010/main" Requires="a14">
+        <mc:AlternateContent xmlns:mc="http://schemas.openxmlformats.org/markup-compatibility/2006" xmlns:a14="http://schemas.microsoft.com/office/drawing/2010/main">
+          <mc:Choice Requires="a14">
             <p:sp>
               <p:nvSpPr>
                 <p:cNvPr id="14" name="Textfeld 13">
@@ -4090,7 +4091,7 @@
               </p:txBody>
             </p:sp>
           </mc:Choice>
-          <mc:Fallback>
+          <mc:Fallback xmlns="">
             <p:sp>
               <p:nvSpPr>
                 <p:cNvPr id="14" name="Textfeld 13">
@@ -4135,8 +4136,8 @@
             </p:sp>
           </mc:Fallback>
         </mc:AlternateContent>
-        <mc:AlternateContent xmlns:mc="http://schemas.openxmlformats.org/markup-compatibility/2006">
-          <mc:Choice xmlns:a14="http://schemas.microsoft.com/office/drawing/2010/main" Requires="a14">
+        <mc:AlternateContent xmlns:mc="http://schemas.openxmlformats.org/markup-compatibility/2006" xmlns:a14="http://schemas.microsoft.com/office/drawing/2010/main">
+          <mc:Choice Requires="a14">
             <p:sp>
               <p:nvSpPr>
                 <p:cNvPr id="15" name="Textfeld 14">
@@ -4227,7 +4228,7 @@
               </p:txBody>
             </p:sp>
           </mc:Choice>
-          <mc:Fallback>
+          <mc:Fallback xmlns="">
             <p:sp>
               <p:nvSpPr>
                 <p:cNvPr id="15" name="Textfeld 14">
@@ -4272,8 +4273,8 @@
             </p:sp>
           </mc:Fallback>
         </mc:AlternateContent>
-        <mc:AlternateContent xmlns:mc="http://schemas.openxmlformats.org/markup-compatibility/2006">
-          <mc:Choice xmlns:a14="http://schemas.microsoft.com/office/drawing/2010/main" Requires="a14">
+        <mc:AlternateContent xmlns:mc="http://schemas.openxmlformats.org/markup-compatibility/2006" xmlns:a14="http://schemas.microsoft.com/office/drawing/2010/main">
+          <mc:Choice Requires="a14">
             <p:sp>
               <p:nvSpPr>
                 <p:cNvPr id="16" name="Textfeld 15">
@@ -4364,7 +4365,7 @@
               </p:txBody>
             </p:sp>
           </mc:Choice>
-          <mc:Fallback>
+          <mc:Fallback xmlns="">
             <p:sp>
               <p:nvSpPr>
                 <p:cNvPr id="16" name="Textfeld 15">
@@ -4409,8 +4410,8 @@
             </p:sp>
           </mc:Fallback>
         </mc:AlternateContent>
-        <mc:AlternateContent xmlns:mc="http://schemas.openxmlformats.org/markup-compatibility/2006">
-          <mc:Choice xmlns:a14="http://schemas.microsoft.com/office/drawing/2010/main" Requires="a14">
+        <mc:AlternateContent xmlns:mc="http://schemas.openxmlformats.org/markup-compatibility/2006" xmlns:a14="http://schemas.microsoft.com/office/drawing/2010/main">
+          <mc:Choice Requires="a14">
             <p:sp>
               <p:nvSpPr>
                 <p:cNvPr id="18" name="Textfeld 17">
@@ -4501,7 +4502,7 @@
               </p:txBody>
             </p:sp>
           </mc:Choice>
-          <mc:Fallback>
+          <mc:Fallback xmlns="">
             <p:sp>
               <p:nvSpPr>
                 <p:cNvPr id="18" name="Textfeld 17">
@@ -4615,8 +4616,8 @@
               </a:p>
             </p:txBody>
           </p:sp>
-          <mc:AlternateContent xmlns:mc="http://schemas.openxmlformats.org/markup-compatibility/2006">
-            <mc:Choice xmlns:a14="http://schemas.microsoft.com/office/drawing/2010/main" Requires="a14">
+          <mc:AlternateContent xmlns:mc="http://schemas.openxmlformats.org/markup-compatibility/2006" xmlns:a14="http://schemas.microsoft.com/office/drawing/2010/main">
+            <mc:Choice Requires="a14">
               <p:sp>
                 <p:nvSpPr>
                   <p:cNvPr id="24" name="Textfeld 23">
@@ -4727,7 +4728,7 @@
                 </p:txBody>
               </p:sp>
             </mc:Choice>
-            <mc:Fallback>
+            <mc:Fallback xmlns="">
               <p:sp>
                 <p:nvSpPr>
                   <p:cNvPr id="24" name="Textfeld 23">
@@ -4842,8 +4843,8 @@
               </a:p>
             </p:txBody>
           </p:sp>
-          <mc:AlternateContent xmlns:mc="http://schemas.openxmlformats.org/markup-compatibility/2006">
-            <mc:Choice xmlns:a14="http://schemas.microsoft.com/office/drawing/2010/main" Requires="a14">
+          <mc:AlternateContent xmlns:mc="http://schemas.openxmlformats.org/markup-compatibility/2006" xmlns:a14="http://schemas.microsoft.com/office/drawing/2010/main">
+            <mc:Choice Requires="a14">
               <p:sp>
                 <p:nvSpPr>
                   <p:cNvPr id="29" name="Textfeld 28">
@@ -4954,7 +4955,7 @@
                 </p:txBody>
               </p:sp>
             </mc:Choice>
-            <mc:Fallback>
+            <mc:Fallback xmlns="">
               <p:sp>
                 <p:nvSpPr>
                   <p:cNvPr id="29" name="Textfeld 28">
@@ -5109,8 +5110,8 @@
             </p:style>
           </p:cxnSp>
         </p:grpSp>
-        <mc:AlternateContent xmlns:mc="http://schemas.openxmlformats.org/markup-compatibility/2006">
-          <mc:Choice xmlns:a14="http://schemas.microsoft.com/office/drawing/2010/main" Requires="a14">
+        <mc:AlternateContent xmlns:mc="http://schemas.openxmlformats.org/markup-compatibility/2006" xmlns:a14="http://schemas.microsoft.com/office/drawing/2010/main">
+          <mc:Choice Requires="a14">
             <p:sp>
               <p:nvSpPr>
                 <p:cNvPr id="42" name="Textfeld 41">
@@ -5172,7 +5173,7 @@
               </p:txBody>
             </p:sp>
           </mc:Choice>
-          <mc:Fallback>
+          <mc:Fallback xmlns="">
             <p:sp>
               <p:nvSpPr>
                 <p:cNvPr id="42" name="Textfeld 41">
@@ -5260,8 +5261,8 @@
             </a:fontRef>
           </p:style>
         </p:cxnSp>
-        <mc:AlternateContent xmlns:mc="http://schemas.openxmlformats.org/markup-compatibility/2006">
-          <mc:Choice xmlns:a14="http://schemas.microsoft.com/office/drawing/2010/main" Requires="a14">
+        <mc:AlternateContent xmlns:mc="http://schemas.openxmlformats.org/markup-compatibility/2006" xmlns:a14="http://schemas.microsoft.com/office/drawing/2010/main">
+          <mc:Choice Requires="a14">
             <p:sp>
               <p:nvSpPr>
                 <p:cNvPr id="45" name="Textfeld 44">
@@ -5340,7 +5341,7 @@
               </p:txBody>
             </p:sp>
           </mc:Choice>
-          <mc:Fallback>
+          <mc:Fallback xmlns="">
             <p:sp>
               <p:nvSpPr>
                 <p:cNvPr id="45" name="Textfeld 44">
@@ -5838,8 +5839,8 @@
             </p:style>
           </p:cxnSp>
         </p:grpSp>
-        <mc:AlternateContent xmlns:mc="http://schemas.openxmlformats.org/markup-compatibility/2006">
-          <mc:Choice xmlns:a14="http://schemas.microsoft.com/office/drawing/2010/main" Requires="a14">
+        <mc:AlternateContent xmlns:mc="http://schemas.openxmlformats.org/markup-compatibility/2006" xmlns:a14="http://schemas.microsoft.com/office/drawing/2010/main">
+          <mc:Choice Requires="a14">
             <p:sp>
               <p:nvSpPr>
                 <p:cNvPr id="14" name="Textfeld 13">
@@ -5952,7 +5953,7 @@
               </p:txBody>
             </p:sp>
           </mc:Choice>
-          <mc:Fallback>
+          <mc:Fallback xmlns="">
             <p:sp>
               <p:nvSpPr>
                 <p:cNvPr id="14" name="Textfeld 13">
@@ -5997,8 +5998,8 @@
             </p:sp>
           </mc:Fallback>
         </mc:AlternateContent>
-        <mc:AlternateContent xmlns:mc="http://schemas.openxmlformats.org/markup-compatibility/2006">
-          <mc:Choice xmlns:a14="http://schemas.microsoft.com/office/drawing/2010/main" Requires="a14">
+        <mc:AlternateContent xmlns:mc="http://schemas.openxmlformats.org/markup-compatibility/2006" xmlns:a14="http://schemas.microsoft.com/office/drawing/2010/main">
+          <mc:Choice Requires="a14">
             <p:sp>
               <p:nvSpPr>
                 <p:cNvPr id="15" name="Textfeld 14">
@@ -6089,7 +6090,7 @@
               </p:txBody>
             </p:sp>
           </mc:Choice>
-          <mc:Fallback>
+          <mc:Fallback xmlns="">
             <p:sp>
               <p:nvSpPr>
                 <p:cNvPr id="15" name="Textfeld 14">
@@ -6134,8 +6135,8 @@
             </p:sp>
           </mc:Fallback>
         </mc:AlternateContent>
-        <mc:AlternateContent xmlns:mc="http://schemas.openxmlformats.org/markup-compatibility/2006">
-          <mc:Choice xmlns:a14="http://schemas.microsoft.com/office/drawing/2010/main" Requires="a14">
+        <mc:AlternateContent xmlns:mc="http://schemas.openxmlformats.org/markup-compatibility/2006" xmlns:a14="http://schemas.microsoft.com/office/drawing/2010/main">
+          <mc:Choice Requires="a14">
             <p:sp>
               <p:nvSpPr>
                 <p:cNvPr id="16" name="Textfeld 15">
@@ -6226,7 +6227,7 @@
               </p:txBody>
             </p:sp>
           </mc:Choice>
-          <mc:Fallback>
+          <mc:Fallback xmlns="">
             <p:sp>
               <p:nvSpPr>
                 <p:cNvPr id="16" name="Textfeld 15">
@@ -6271,8 +6272,8 @@
             </p:sp>
           </mc:Fallback>
         </mc:AlternateContent>
-        <mc:AlternateContent xmlns:mc="http://schemas.openxmlformats.org/markup-compatibility/2006">
-          <mc:Choice xmlns:a14="http://schemas.microsoft.com/office/drawing/2010/main" Requires="a14">
+        <mc:AlternateContent xmlns:mc="http://schemas.openxmlformats.org/markup-compatibility/2006" xmlns:a14="http://schemas.microsoft.com/office/drawing/2010/main">
+          <mc:Choice Requires="a14">
             <p:sp>
               <p:nvSpPr>
                 <p:cNvPr id="17" name="Textfeld 16">
@@ -6363,7 +6364,7 @@
               </p:txBody>
             </p:sp>
           </mc:Choice>
-          <mc:Fallback>
+          <mc:Fallback xmlns="">
             <p:sp>
               <p:nvSpPr>
                 <p:cNvPr id="17" name="Textfeld 16">
@@ -6408,8 +6409,8 @@
             </p:sp>
           </mc:Fallback>
         </mc:AlternateContent>
-        <mc:AlternateContent xmlns:mc="http://schemas.openxmlformats.org/markup-compatibility/2006">
-          <mc:Choice xmlns:a14="http://schemas.microsoft.com/office/drawing/2010/main" Requires="a14">
+        <mc:AlternateContent xmlns:mc="http://schemas.openxmlformats.org/markup-compatibility/2006" xmlns:a14="http://schemas.microsoft.com/office/drawing/2010/main">
+          <mc:Choice Requires="a14">
             <p:sp>
               <p:nvSpPr>
                 <p:cNvPr id="18" name="Textfeld 17">
@@ -6500,7 +6501,7 @@
               </p:txBody>
             </p:sp>
           </mc:Choice>
-          <mc:Fallback>
+          <mc:Fallback xmlns="">
             <p:sp>
               <p:nvSpPr>
                 <p:cNvPr id="18" name="Textfeld 17">
@@ -6614,8 +6615,8 @@
               </a:p>
             </p:txBody>
           </p:sp>
-          <mc:AlternateContent xmlns:mc="http://schemas.openxmlformats.org/markup-compatibility/2006">
-            <mc:Choice xmlns:a14="http://schemas.microsoft.com/office/drawing/2010/main" Requires="a14">
+          <mc:AlternateContent xmlns:mc="http://schemas.openxmlformats.org/markup-compatibility/2006" xmlns:a14="http://schemas.microsoft.com/office/drawing/2010/main">
+            <mc:Choice Requires="a14">
               <p:sp>
                 <p:nvSpPr>
                   <p:cNvPr id="24" name="Textfeld 23">
@@ -6726,7 +6727,7 @@
                 </p:txBody>
               </p:sp>
             </mc:Choice>
-            <mc:Fallback>
+            <mc:Fallback xmlns="">
               <p:sp>
                 <p:nvSpPr>
                   <p:cNvPr id="24" name="Textfeld 23">
@@ -6950,8 +6951,8 @@
               </a:p>
             </p:txBody>
           </p:sp>
-          <mc:AlternateContent xmlns:mc="http://schemas.openxmlformats.org/markup-compatibility/2006">
-            <mc:Choice xmlns:a14="http://schemas.microsoft.com/office/drawing/2010/main" Requires="a14">
+          <mc:AlternateContent xmlns:mc="http://schemas.openxmlformats.org/markup-compatibility/2006" xmlns:a14="http://schemas.microsoft.com/office/drawing/2010/main">
+            <mc:Choice Requires="a14">
               <p:sp>
                 <p:nvSpPr>
                   <p:cNvPr id="33" name="Textfeld 32">
@@ -7062,7 +7063,7 @@
                 </p:txBody>
               </p:sp>
             </mc:Choice>
-            <mc:Fallback>
+            <mc:Fallback xmlns="">
               <p:sp>
                 <p:nvSpPr>
                   <p:cNvPr id="33" name="Textfeld 32">
@@ -7561,8 +7562,8 @@
             </p:style>
           </p:cxnSp>
         </p:grpSp>
-        <mc:AlternateContent xmlns:mc="http://schemas.openxmlformats.org/markup-compatibility/2006">
-          <mc:Choice xmlns:a14="http://schemas.microsoft.com/office/drawing/2010/main" Requires="a14">
+        <mc:AlternateContent xmlns:mc="http://schemas.openxmlformats.org/markup-compatibility/2006" xmlns:a14="http://schemas.microsoft.com/office/drawing/2010/main">
+          <mc:Choice Requires="a14">
             <p:sp>
               <p:nvSpPr>
                 <p:cNvPr id="14" name="Textfeld 13">
@@ -7675,7 +7676,7 @@
               </p:txBody>
             </p:sp>
           </mc:Choice>
-          <mc:Fallback>
+          <mc:Fallback xmlns="">
             <p:sp>
               <p:nvSpPr>
                 <p:cNvPr id="14" name="Textfeld 13">
@@ -7720,8 +7721,8 @@
             </p:sp>
           </mc:Fallback>
         </mc:AlternateContent>
-        <mc:AlternateContent xmlns:mc="http://schemas.openxmlformats.org/markup-compatibility/2006">
-          <mc:Choice xmlns:a14="http://schemas.microsoft.com/office/drawing/2010/main" Requires="a14">
+        <mc:AlternateContent xmlns:mc="http://schemas.openxmlformats.org/markup-compatibility/2006" xmlns:a14="http://schemas.microsoft.com/office/drawing/2010/main">
+          <mc:Choice Requires="a14">
             <p:sp>
               <p:nvSpPr>
                 <p:cNvPr id="15" name="Textfeld 14">
@@ -7812,7 +7813,7 @@
               </p:txBody>
             </p:sp>
           </mc:Choice>
-          <mc:Fallback>
+          <mc:Fallback xmlns="">
             <p:sp>
               <p:nvSpPr>
                 <p:cNvPr id="15" name="Textfeld 14">
@@ -7857,8 +7858,8 @@
             </p:sp>
           </mc:Fallback>
         </mc:AlternateContent>
-        <mc:AlternateContent xmlns:mc="http://schemas.openxmlformats.org/markup-compatibility/2006">
-          <mc:Choice xmlns:a14="http://schemas.microsoft.com/office/drawing/2010/main" Requires="a14">
+        <mc:AlternateContent xmlns:mc="http://schemas.openxmlformats.org/markup-compatibility/2006" xmlns:a14="http://schemas.microsoft.com/office/drawing/2010/main">
+          <mc:Choice Requires="a14">
             <p:sp>
               <p:nvSpPr>
                 <p:cNvPr id="16" name="Textfeld 15">
@@ -7949,7 +7950,7 @@
               </p:txBody>
             </p:sp>
           </mc:Choice>
-          <mc:Fallback>
+          <mc:Fallback xmlns="">
             <p:sp>
               <p:nvSpPr>
                 <p:cNvPr id="16" name="Textfeld 15">
@@ -7994,8 +7995,8 @@
             </p:sp>
           </mc:Fallback>
         </mc:AlternateContent>
-        <mc:AlternateContent xmlns:mc="http://schemas.openxmlformats.org/markup-compatibility/2006">
-          <mc:Choice xmlns:a14="http://schemas.microsoft.com/office/drawing/2010/main" Requires="a14">
+        <mc:AlternateContent xmlns:mc="http://schemas.openxmlformats.org/markup-compatibility/2006" xmlns:a14="http://schemas.microsoft.com/office/drawing/2010/main">
+          <mc:Choice Requires="a14">
             <p:sp>
               <p:nvSpPr>
                 <p:cNvPr id="17" name="Textfeld 16">
@@ -8086,7 +8087,7 @@
               </p:txBody>
             </p:sp>
           </mc:Choice>
-          <mc:Fallback>
+          <mc:Fallback xmlns="">
             <p:sp>
               <p:nvSpPr>
                 <p:cNvPr id="17" name="Textfeld 16">
@@ -8131,8 +8132,8 @@
             </p:sp>
           </mc:Fallback>
         </mc:AlternateContent>
-        <mc:AlternateContent xmlns:mc="http://schemas.openxmlformats.org/markup-compatibility/2006">
-          <mc:Choice xmlns:a14="http://schemas.microsoft.com/office/drawing/2010/main" Requires="a14">
+        <mc:AlternateContent xmlns:mc="http://schemas.openxmlformats.org/markup-compatibility/2006" xmlns:a14="http://schemas.microsoft.com/office/drawing/2010/main">
+          <mc:Choice Requires="a14">
             <p:sp>
               <p:nvSpPr>
                 <p:cNvPr id="18" name="Textfeld 17">
@@ -8223,7 +8224,7 @@
               </p:txBody>
             </p:sp>
           </mc:Choice>
-          <mc:Fallback>
+          <mc:Fallback xmlns="">
             <p:sp>
               <p:nvSpPr>
                 <p:cNvPr id="18" name="Textfeld 17">
@@ -8337,8 +8338,8 @@
               </a:p>
             </p:txBody>
           </p:sp>
-          <mc:AlternateContent xmlns:mc="http://schemas.openxmlformats.org/markup-compatibility/2006">
-            <mc:Choice xmlns:a14="http://schemas.microsoft.com/office/drawing/2010/main" Requires="a14">
+          <mc:AlternateContent xmlns:mc="http://schemas.openxmlformats.org/markup-compatibility/2006" xmlns:a14="http://schemas.microsoft.com/office/drawing/2010/main">
+            <mc:Choice Requires="a14">
               <p:sp>
                 <p:nvSpPr>
                   <p:cNvPr id="24" name="Textfeld 23">
@@ -8449,7 +8450,7 @@
                 </p:txBody>
               </p:sp>
             </mc:Choice>
-            <mc:Fallback>
+            <mc:Fallback xmlns="">
               <p:sp>
                 <p:nvSpPr>
                   <p:cNvPr id="24" name="Textfeld 23">
@@ -8564,8 +8565,8 @@
               </a:p>
             </p:txBody>
           </p:sp>
-          <mc:AlternateContent xmlns:mc="http://schemas.openxmlformats.org/markup-compatibility/2006">
-            <mc:Choice xmlns:a14="http://schemas.microsoft.com/office/drawing/2010/main" Requires="a14">
+          <mc:AlternateContent xmlns:mc="http://schemas.openxmlformats.org/markup-compatibility/2006" xmlns:a14="http://schemas.microsoft.com/office/drawing/2010/main">
+            <mc:Choice Requires="a14">
               <p:sp>
                 <p:nvSpPr>
                   <p:cNvPr id="29" name="Textfeld 28">
@@ -8676,7 +8677,7 @@
                 </p:txBody>
               </p:sp>
             </mc:Choice>
-            <mc:Fallback>
+            <mc:Fallback xmlns="">
               <p:sp>
                 <p:nvSpPr>
                   <p:cNvPr id="29" name="Textfeld 28">
@@ -9292,8 +9293,8 @@
             </p:style>
           </p:cxnSp>
         </p:grpSp>
-        <mc:AlternateContent xmlns:mc="http://schemas.openxmlformats.org/markup-compatibility/2006">
-          <mc:Choice xmlns:a14="http://schemas.microsoft.com/office/drawing/2010/main" Requires="a14">
+        <mc:AlternateContent xmlns:mc="http://schemas.openxmlformats.org/markup-compatibility/2006" xmlns:a14="http://schemas.microsoft.com/office/drawing/2010/main">
+          <mc:Choice Requires="a14">
             <p:sp>
               <p:nvSpPr>
                 <p:cNvPr id="7" name="Textfeld 6">
@@ -9406,7 +9407,7 @@
               </p:txBody>
             </p:sp>
           </mc:Choice>
-          <mc:Fallback>
+          <mc:Fallback xmlns="">
             <p:sp>
               <p:nvSpPr>
                 <p:cNvPr id="7" name="Textfeld 6">
@@ -9451,8 +9452,8 @@
             </p:sp>
           </mc:Fallback>
         </mc:AlternateContent>
-        <mc:AlternateContent xmlns:mc="http://schemas.openxmlformats.org/markup-compatibility/2006">
-          <mc:Choice xmlns:a14="http://schemas.microsoft.com/office/drawing/2010/main" Requires="a14">
+        <mc:AlternateContent xmlns:mc="http://schemas.openxmlformats.org/markup-compatibility/2006" xmlns:a14="http://schemas.microsoft.com/office/drawing/2010/main">
+          <mc:Choice Requires="a14">
             <p:sp>
               <p:nvSpPr>
                 <p:cNvPr id="8" name="Textfeld 7">
@@ -9543,7 +9544,7 @@
               </p:txBody>
             </p:sp>
           </mc:Choice>
-          <mc:Fallback>
+          <mc:Fallback xmlns="">
             <p:sp>
               <p:nvSpPr>
                 <p:cNvPr id="8" name="Textfeld 7">
@@ -9588,8 +9589,8 @@
             </p:sp>
           </mc:Fallback>
         </mc:AlternateContent>
-        <mc:AlternateContent xmlns:mc="http://schemas.openxmlformats.org/markup-compatibility/2006">
-          <mc:Choice xmlns:a14="http://schemas.microsoft.com/office/drawing/2010/main" Requires="a14">
+        <mc:AlternateContent xmlns:mc="http://schemas.openxmlformats.org/markup-compatibility/2006" xmlns:a14="http://schemas.microsoft.com/office/drawing/2010/main">
+          <mc:Choice Requires="a14">
             <p:sp>
               <p:nvSpPr>
                 <p:cNvPr id="9" name="Textfeld 8">
@@ -9680,7 +9681,7 @@
               </p:txBody>
             </p:sp>
           </mc:Choice>
-          <mc:Fallback>
+          <mc:Fallback xmlns="">
             <p:sp>
               <p:nvSpPr>
                 <p:cNvPr id="9" name="Textfeld 8">
@@ -9725,8 +9726,8 @@
             </p:sp>
           </mc:Fallback>
         </mc:AlternateContent>
-        <mc:AlternateContent xmlns:mc="http://schemas.openxmlformats.org/markup-compatibility/2006">
-          <mc:Choice xmlns:a14="http://schemas.microsoft.com/office/drawing/2010/main" Requires="a14">
+        <mc:AlternateContent xmlns:mc="http://schemas.openxmlformats.org/markup-compatibility/2006" xmlns:a14="http://schemas.microsoft.com/office/drawing/2010/main">
+          <mc:Choice Requires="a14">
             <p:sp>
               <p:nvSpPr>
                 <p:cNvPr id="10" name="Textfeld 9">
@@ -9817,7 +9818,7 @@
               </p:txBody>
             </p:sp>
           </mc:Choice>
-          <mc:Fallback>
+          <mc:Fallback xmlns="">
             <p:sp>
               <p:nvSpPr>
                 <p:cNvPr id="10" name="Textfeld 9">
@@ -9931,8 +9932,8 @@
               </a:p>
             </p:txBody>
           </p:sp>
-          <mc:AlternateContent xmlns:mc="http://schemas.openxmlformats.org/markup-compatibility/2006">
-            <mc:Choice xmlns:a14="http://schemas.microsoft.com/office/drawing/2010/main" Requires="a14">
+          <mc:AlternateContent xmlns:mc="http://schemas.openxmlformats.org/markup-compatibility/2006" xmlns:a14="http://schemas.microsoft.com/office/drawing/2010/main">
+            <mc:Choice Requires="a14">
               <p:sp>
                 <p:nvSpPr>
                   <p:cNvPr id="25" name="Textfeld 24">
@@ -10043,7 +10044,7 @@
                 </p:txBody>
               </p:sp>
             </mc:Choice>
-            <mc:Fallback>
+            <mc:Fallback xmlns="">
               <p:sp>
                 <p:nvSpPr>
                   <p:cNvPr id="25" name="Textfeld 24">
@@ -10158,8 +10159,8 @@
               </a:p>
             </p:txBody>
           </p:sp>
-          <mc:AlternateContent xmlns:mc="http://schemas.openxmlformats.org/markup-compatibility/2006">
-            <mc:Choice xmlns:a14="http://schemas.microsoft.com/office/drawing/2010/main" Requires="a14">
+          <mc:AlternateContent xmlns:mc="http://schemas.openxmlformats.org/markup-compatibility/2006" xmlns:a14="http://schemas.microsoft.com/office/drawing/2010/main">
+            <mc:Choice Requires="a14">
               <p:sp>
                 <p:nvSpPr>
                   <p:cNvPr id="23" name="Textfeld 22">
@@ -10270,7 +10271,7 @@
                 </p:txBody>
               </p:sp>
             </mc:Choice>
-            <mc:Fallback>
+            <mc:Fallback xmlns="">
               <p:sp>
                 <p:nvSpPr>
                   <p:cNvPr id="23" name="Textfeld 22">
@@ -10425,8 +10426,8 @@
             </p:style>
           </p:cxnSp>
         </p:grpSp>
-        <mc:AlternateContent xmlns:mc="http://schemas.openxmlformats.org/markup-compatibility/2006">
-          <mc:Choice xmlns:a14="http://schemas.microsoft.com/office/drawing/2010/main" Requires="a14">
+        <mc:AlternateContent xmlns:mc="http://schemas.openxmlformats.org/markup-compatibility/2006" xmlns:a14="http://schemas.microsoft.com/office/drawing/2010/main">
+          <mc:Choice Requires="a14">
             <p:sp>
               <p:nvSpPr>
                 <p:cNvPr id="14" name="Textfeld 13">
@@ -10488,7 +10489,7 @@
               </p:txBody>
             </p:sp>
           </mc:Choice>
-          <mc:Fallback>
+          <mc:Fallback xmlns="">
             <p:sp>
               <p:nvSpPr>
                 <p:cNvPr id="14" name="Textfeld 13">
@@ -10576,8 +10577,8 @@
             </a:fontRef>
           </p:style>
         </p:cxnSp>
-        <mc:AlternateContent xmlns:mc="http://schemas.openxmlformats.org/markup-compatibility/2006">
-          <mc:Choice xmlns:a14="http://schemas.microsoft.com/office/drawing/2010/main" Requires="a14">
+        <mc:AlternateContent xmlns:mc="http://schemas.openxmlformats.org/markup-compatibility/2006" xmlns:a14="http://schemas.microsoft.com/office/drawing/2010/main">
+          <mc:Choice Requires="a14">
             <p:sp>
               <p:nvSpPr>
                 <p:cNvPr id="16" name="Textfeld 15">
@@ -10656,7 +10657,7 @@
               </p:txBody>
             </p:sp>
           </mc:Choice>
-          <mc:Fallback>
+          <mc:Fallback xmlns="">
             <p:sp>
               <p:nvSpPr>
                 <p:cNvPr id="16" name="Textfeld 15">
@@ -11089,8 +11090,8 @@
             </p:style>
           </p:cxnSp>
         </p:grpSp>
-        <mc:AlternateContent xmlns:mc="http://schemas.openxmlformats.org/markup-compatibility/2006">
-          <mc:Choice xmlns:a14="http://schemas.microsoft.com/office/drawing/2010/main" Requires="a14">
+        <mc:AlternateContent xmlns:mc="http://schemas.openxmlformats.org/markup-compatibility/2006" xmlns:a14="http://schemas.microsoft.com/office/drawing/2010/main">
+          <mc:Choice Requires="a14">
             <p:sp>
               <p:nvSpPr>
                 <p:cNvPr id="34" name="Textfeld 33">
@@ -11203,7 +11204,7 @@
               </p:txBody>
             </p:sp>
           </mc:Choice>
-          <mc:Fallback>
+          <mc:Fallback xmlns="">
             <p:sp>
               <p:nvSpPr>
                 <p:cNvPr id="34" name="Textfeld 33">
@@ -11248,8 +11249,8 @@
             </p:sp>
           </mc:Fallback>
         </mc:AlternateContent>
-        <mc:AlternateContent xmlns:mc="http://schemas.openxmlformats.org/markup-compatibility/2006">
-          <mc:Choice xmlns:a14="http://schemas.microsoft.com/office/drawing/2010/main" Requires="a14">
+        <mc:AlternateContent xmlns:mc="http://schemas.openxmlformats.org/markup-compatibility/2006" xmlns:a14="http://schemas.microsoft.com/office/drawing/2010/main">
+          <mc:Choice Requires="a14">
             <p:sp>
               <p:nvSpPr>
                 <p:cNvPr id="35" name="Textfeld 34">
@@ -11340,7 +11341,7 @@
               </p:txBody>
             </p:sp>
           </mc:Choice>
-          <mc:Fallback>
+          <mc:Fallback xmlns="">
             <p:sp>
               <p:nvSpPr>
                 <p:cNvPr id="35" name="Textfeld 34">
@@ -11385,8 +11386,8 @@
             </p:sp>
           </mc:Fallback>
         </mc:AlternateContent>
-        <mc:AlternateContent xmlns:mc="http://schemas.openxmlformats.org/markup-compatibility/2006">
-          <mc:Choice xmlns:a14="http://schemas.microsoft.com/office/drawing/2010/main" Requires="a14">
+        <mc:AlternateContent xmlns:mc="http://schemas.openxmlformats.org/markup-compatibility/2006" xmlns:a14="http://schemas.microsoft.com/office/drawing/2010/main">
+          <mc:Choice Requires="a14">
             <p:sp>
               <p:nvSpPr>
                 <p:cNvPr id="36" name="Textfeld 35">
@@ -11477,7 +11478,7 @@
               </p:txBody>
             </p:sp>
           </mc:Choice>
-          <mc:Fallback>
+          <mc:Fallback xmlns="">
             <p:sp>
               <p:nvSpPr>
                 <p:cNvPr id="36" name="Textfeld 35">
@@ -11522,8 +11523,8 @@
             </p:sp>
           </mc:Fallback>
         </mc:AlternateContent>
-        <mc:AlternateContent xmlns:mc="http://schemas.openxmlformats.org/markup-compatibility/2006">
-          <mc:Choice xmlns:a14="http://schemas.microsoft.com/office/drawing/2010/main" Requires="a14">
+        <mc:AlternateContent xmlns:mc="http://schemas.openxmlformats.org/markup-compatibility/2006" xmlns:a14="http://schemas.microsoft.com/office/drawing/2010/main">
+          <mc:Choice Requires="a14">
             <p:sp>
               <p:nvSpPr>
                 <p:cNvPr id="37" name="Textfeld 36">
@@ -11614,7 +11615,7 @@
               </p:txBody>
             </p:sp>
           </mc:Choice>
-          <mc:Fallback>
+          <mc:Fallback xmlns="">
             <p:sp>
               <p:nvSpPr>
                 <p:cNvPr id="37" name="Textfeld 36">
@@ -11659,8 +11660,8 @@
             </p:sp>
           </mc:Fallback>
         </mc:AlternateContent>
-        <mc:AlternateContent xmlns:mc="http://schemas.openxmlformats.org/markup-compatibility/2006">
-          <mc:Choice xmlns:a14="http://schemas.microsoft.com/office/drawing/2010/main" Requires="a14">
+        <mc:AlternateContent xmlns:mc="http://schemas.openxmlformats.org/markup-compatibility/2006" xmlns:a14="http://schemas.microsoft.com/office/drawing/2010/main">
+          <mc:Choice Requires="a14">
             <p:sp>
               <p:nvSpPr>
                 <p:cNvPr id="38" name="Textfeld 37">
@@ -11751,7 +11752,7 @@
               </p:txBody>
             </p:sp>
           </mc:Choice>
-          <mc:Fallback>
+          <mc:Fallback xmlns="">
             <p:sp>
               <p:nvSpPr>
                 <p:cNvPr id="38" name="Textfeld 37">
@@ -11865,8 +11866,8 @@
               </a:p>
             </p:txBody>
           </p:sp>
-          <mc:AlternateContent xmlns:mc="http://schemas.openxmlformats.org/markup-compatibility/2006">
-            <mc:Choice xmlns:a14="http://schemas.microsoft.com/office/drawing/2010/main" Requires="a14">
+          <mc:AlternateContent xmlns:mc="http://schemas.openxmlformats.org/markup-compatibility/2006" xmlns:a14="http://schemas.microsoft.com/office/drawing/2010/main">
+            <mc:Choice Requires="a14">
               <p:sp>
                 <p:nvSpPr>
                   <p:cNvPr id="50" name="Textfeld 49">
@@ -11977,7 +11978,7 @@
                 </p:txBody>
               </p:sp>
             </mc:Choice>
-            <mc:Fallback>
+            <mc:Fallback xmlns="">
               <p:sp>
                 <p:nvSpPr>
                   <p:cNvPr id="50" name="Textfeld 49">
@@ -12201,8 +12202,8 @@
               </a:p>
             </p:txBody>
           </p:sp>
-          <mc:AlternateContent xmlns:mc="http://schemas.openxmlformats.org/markup-compatibility/2006">
-            <mc:Choice xmlns:a14="http://schemas.microsoft.com/office/drawing/2010/main" Requires="a14">
+          <mc:AlternateContent xmlns:mc="http://schemas.openxmlformats.org/markup-compatibility/2006" xmlns:a14="http://schemas.microsoft.com/office/drawing/2010/main">
+            <mc:Choice Requires="a14">
               <p:sp>
                 <p:nvSpPr>
                   <p:cNvPr id="46" name="Textfeld 45">
@@ -12313,7 +12314,7 @@
                 </p:txBody>
               </p:sp>
             </mc:Choice>
-            <mc:Fallback>
+            <mc:Fallback xmlns="">
               <p:sp>
                 <p:nvSpPr>
                   <p:cNvPr id="46" name="Textfeld 45">
@@ -12747,8 +12748,8 @@
             </p:style>
           </p:cxnSp>
         </p:grpSp>
-        <mc:AlternateContent xmlns:mc="http://schemas.openxmlformats.org/markup-compatibility/2006">
-          <mc:Choice xmlns:a14="http://schemas.microsoft.com/office/drawing/2010/main" Requires="a14">
+        <mc:AlternateContent xmlns:mc="http://schemas.openxmlformats.org/markup-compatibility/2006" xmlns:a14="http://schemas.microsoft.com/office/drawing/2010/main">
+          <mc:Choice Requires="a14">
             <p:sp>
               <p:nvSpPr>
                 <p:cNvPr id="84" name="Textfeld 83">
@@ -12861,7 +12862,7 @@
               </p:txBody>
             </p:sp>
           </mc:Choice>
-          <mc:Fallback>
+          <mc:Fallback xmlns="">
             <p:sp>
               <p:nvSpPr>
                 <p:cNvPr id="84" name="Textfeld 83">
@@ -12906,8 +12907,8 @@
             </p:sp>
           </mc:Fallback>
         </mc:AlternateContent>
-        <mc:AlternateContent xmlns:mc="http://schemas.openxmlformats.org/markup-compatibility/2006">
-          <mc:Choice xmlns:a14="http://schemas.microsoft.com/office/drawing/2010/main" Requires="a14">
+        <mc:AlternateContent xmlns:mc="http://schemas.openxmlformats.org/markup-compatibility/2006" xmlns:a14="http://schemas.microsoft.com/office/drawing/2010/main">
+          <mc:Choice Requires="a14">
             <p:sp>
               <p:nvSpPr>
                 <p:cNvPr id="85" name="Textfeld 84">
@@ -12998,7 +12999,7 @@
               </p:txBody>
             </p:sp>
           </mc:Choice>
-          <mc:Fallback>
+          <mc:Fallback xmlns="">
             <p:sp>
               <p:nvSpPr>
                 <p:cNvPr id="85" name="Textfeld 84">
@@ -13043,8 +13044,8 @@
             </p:sp>
           </mc:Fallback>
         </mc:AlternateContent>
-        <mc:AlternateContent xmlns:mc="http://schemas.openxmlformats.org/markup-compatibility/2006">
-          <mc:Choice xmlns:a14="http://schemas.microsoft.com/office/drawing/2010/main" Requires="a14">
+        <mc:AlternateContent xmlns:mc="http://schemas.openxmlformats.org/markup-compatibility/2006" xmlns:a14="http://schemas.microsoft.com/office/drawing/2010/main">
+          <mc:Choice Requires="a14">
             <p:sp>
               <p:nvSpPr>
                 <p:cNvPr id="86" name="Textfeld 85">
@@ -13135,7 +13136,7 @@
               </p:txBody>
             </p:sp>
           </mc:Choice>
-          <mc:Fallback>
+          <mc:Fallback xmlns="">
             <p:sp>
               <p:nvSpPr>
                 <p:cNvPr id="86" name="Textfeld 85">
@@ -13180,8 +13181,8 @@
             </p:sp>
           </mc:Fallback>
         </mc:AlternateContent>
-        <mc:AlternateContent xmlns:mc="http://schemas.openxmlformats.org/markup-compatibility/2006">
-          <mc:Choice xmlns:a14="http://schemas.microsoft.com/office/drawing/2010/main" Requires="a14">
+        <mc:AlternateContent xmlns:mc="http://schemas.openxmlformats.org/markup-compatibility/2006" xmlns:a14="http://schemas.microsoft.com/office/drawing/2010/main">
+          <mc:Choice Requires="a14">
             <p:sp>
               <p:nvSpPr>
                 <p:cNvPr id="87" name="Textfeld 86">
@@ -13272,7 +13273,7 @@
               </p:txBody>
             </p:sp>
           </mc:Choice>
-          <mc:Fallback>
+          <mc:Fallback xmlns="">
             <p:sp>
               <p:nvSpPr>
                 <p:cNvPr id="87" name="Textfeld 86">
@@ -13317,8 +13318,8 @@
             </p:sp>
           </mc:Fallback>
         </mc:AlternateContent>
-        <mc:AlternateContent xmlns:mc="http://schemas.openxmlformats.org/markup-compatibility/2006">
-          <mc:Choice xmlns:a14="http://schemas.microsoft.com/office/drawing/2010/main" Requires="a14">
+        <mc:AlternateContent xmlns:mc="http://schemas.openxmlformats.org/markup-compatibility/2006" xmlns:a14="http://schemas.microsoft.com/office/drawing/2010/main">
+          <mc:Choice Requires="a14">
             <p:sp>
               <p:nvSpPr>
                 <p:cNvPr id="88" name="Textfeld 87">
@@ -13409,7 +13410,7 @@
               </p:txBody>
             </p:sp>
           </mc:Choice>
-          <mc:Fallback>
+          <mc:Fallback xmlns="">
             <p:sp>
               <p:nvSpPr>
                 <p:cNvPr id="88" name="Textfeld 87">
@@ -13523,8 +13524,8 @@
               </a:p>
             </p:txBody>
           </p:sp>
-          <mc:AlternateContent xmlns:mc="http://schemas.openxmlformats.org/markup-compatibility/2006">
-            <mc:Choice xmlns:a14="http://schemas.microsoft.com/office/drawing/2010/main" Requires="a14">
+          <mc:AlternateContent xmlns:mc="http://schemas.openxmlformats.org/markup-compatibility/2006" xmlns:a14="http://schemas.microsoft.com/office/drawing/2010/main">
+            <mc:Choice Requires="a14">
               <p:sp>
                 <p:nvSpPr>
                   <p:cNvPr id="100" name="Textfeld 99">
@@ -13635,7 +13636,7 @@
                 </p:txBody>
               </p:sp>
             </mc:Choice>
-            <mc:Fallback>
+            <mc:Fallback xmlns="">
               <p:sp>
                 <p:nvSpPr>
                   <p:cNvPr id="100" name="Textfeld 99">
@@ -13750,8 +13751,8 @@
               </a:p>
             </p:txBody>
           </p:sp>
-          <mc:AlternateContent xmlns:mc="http://schemas.openxmlformats.org/markup-compatibility/2006">
-            <mc:Choice xmlns:a14="http://schemas.microsoft.com/office/drawing/2010/main" Requires="a14">
+          <mc:AlternateContent xmlns:mc="http://schemas.openxmlformats.org/markup-compatibility/2006" xmlns:a14="http://schemas.microsoft.com/office/drawing/2010/main">
+            <mc:Choice Requires="a14">
               <p:sp>
                 <p:nvSpPr>
                   <p:cNvPr id="98" name="Textfeld 97">
@@ -13862,7 +13863,7 @@
                 </p:txBody>
               </p:sp>
             </mc:Choice>
-            <mc:Fallback>
+            <mc:Fallback xmlns="">
               <p:sp>
                 <p:nvSpPr>
                   <p:cNvPr id="98" name="Textfeld 97">
@@ -14110,6 +14111,3352 @@
     <p:extLst>
       <p:ext uri="{BB962C8B-B14F-4D97-AF65-F5344CB8AC3E}">
         <p14:creationId xmlns:p14="http://schemas.microsoft.com/office/powerpoint/2010/main" val="519105036"/>
+      </p:ext>
+    </p:extLst>
+  </p:cSld>
+  <p:clrMapOvr>
+    <a:masterClrMapping/>
+  </p:clrMapOvr>
+</p:sld>
+</file>
+
+<file path=ppt/slides/slide6.xml><?xml version="1.0" encoding="utf-8"?>
+<p:sld xmlns:a="http://schemas.openxmlformats.org/drawingml/2006/main" xmlns:r="http://schemas.openxmlformats.org/officeDocument/2006/relationships" xmlns:p="http://schemas.openxmlformats.org/presentationml/2006/main">
+  <p:cSld>
+    <p:spTree>
+      <p:nvGrpSpPr>
+        <p:cNvPr id="1" name=""/>
+        <p:cNvGrpSpPr/>
+        <p:nvPr/>
+      </p:nvGrpSpPr>
+      <p:grpSpPr>
+        <a:xfrm>
+          <a:off x="0" y="0"/>
+          <a:ext cx="0" cy="0"/>
+          <a:chOff x="0" y="0"/>
+          <a:chExt cx="0" cy="0"/>
+        </a:xfrm>
+      </p:grpSpPr>
+      <p:grpSp>
+        <p:nvGrpSpPr>
+          <p:cNvPr id="32" name="Gruppieren 31">
+            <a:extLst>
+              <a:ext uri="{FF2B5EF4-FFF2-40B4-BE49-F238E27FC236}">
+                <a16:creationId xmlns:a16="http://schemas.microsoft.com/office/drawing/2014/main" id="{E842FF7E-7408-7542-A7FB-3D9C31E129A8}"/>
+              </a:ext>
+            </a:extLst>
+          </p:cNvPr>
+          <p:cNvGrpSpPr/>
+          <p:nvPr/>
+        </p:nvGrpSpPr>
+        <p:grpSpPr>
+          <a:xfrm>
+            <a:off x="2135188" y="2202815"/>
+            <a:ext cx="7952241" cy="1574586"/>
+            <a:chOff x="2135188" y="2959575"/>
+            <a:chExt cx="7952241" cy="1574586"/>
+          </a:xfrm>
+        </p:grpSpPr>
+        <p:grpSp>
+          <p:nvGrpSpPr>
+            <p:cNvPr id="33" name="Gruppieren 32">
+              <a:extLst>
+                <a:ext uri="{FF2B5EF4-FFF2-40B4-BE49-F238E27FC236}">
+                  <a16:creationId xmlns:a16="http://schemas.microsoft.com/office/drawing/2014/main" id="{83B348C4-0353-5545-8354-F3E020C40664}"/>
+                </a:ext>
+              </a:extLst>
+            </p:cNvPr>
+            <p:cNvGrpSpPr/>
+            <p:nvPr/>
+          </p:nvGrpSpPr>
+          <p:grpSpPr>
+            <a:xfrm>
+              <a:off x="2135188" y="3415301"/>
+              <a:ext cx="7952241" cy="180000"/>
+              <a:chOff x="2135188" y="3415301"/>
+              <a:chExt cx="7952241" cy="180000"/>
+            </a:xfrm>
+          </p:grpSpPr>
+          <p:cxnSp>
+            <p:nvCxnSpPr>
+              <p:cNvPr id="51" name="Gerade Verbindung 50">
+                <a:extLst>
+                  <a:ext uri="{FF2B5EF4-FFF2-40B4-BE49-F238E27FC236}">
+                    <a16:creationId xmlns:a16="http://schemas.microsoft.com/office/drawing/2014/main" id="{550B6520-5B91-E94D-BB73-1DAC8D2C6895}"/>
+                  </a:ext>
+                </a:extLst>
+              </p:cNvPr>
+              <p:cNvCxnSpPr>
+                <a:cxnSpLocks/>
+              </p:cNvCxnSpPr>
+              <p:nvPr/>
+            </p:nvCxnSpPr>
+            <p:spPr>
+              <a:xfrm>
+                <a:off x="6080692" y="3415301"/>
+                <a:ext cx="0" cy="180000"/>
+              </a:xfrm>
+              <a:prstGeom prst="line">
+                <a:avLst/>
+              </a:prstGeom>
+              <a:ln w="38100">
+                <a:solidFill>
+                  <a:srgbClr val="374785"/>
+                </a:solidFill>
+              </a:ln>
+            </p:spPr>
+            <p:style>
+              <a:lnRef idx="1">
+                <a:schemeClr val="accent1"/>
+              </a:lnRef>
+              <a:fillRef idx="0">
+                <a:schemeClr val="accent1"/>
+              </a:fillRef>
+              <a:effectRef idx="0">
+                <a:schemeClr val="accent1"/>
+              </a:effectRef>
+              <a:fontRef idx="minor">
+                <a:schemeClr val="tx1"/>
+              </a:fontRef>
+            </p:style>
+          </p:cxnSp>
+          <p:cxnSp>
+            <p:nvCxnSpPr>
+              <p:cNvPr id="52" name="Gerade Verbindung 51">
+                <a:extLst>
+                  <a:ext uri="{FF2B5EF4-FFF2-40B4-BE49-F238E27FC236}">
+                    <a16:creationId xmlns:a16="http://schemas.microsoft.com/office/drawing/2014/main" id="{724F0CFB-DA6D-7445-8DC0-A807093A7056}"/>
+                  </a:ext>
+                </a:extLst>
+              </p:cNvPr>
+              <p:cNvCxnSpPr>
+                <a:cxnSpLocks/>
+              </p:cNvCxnSpPr>
+              <p:nvPr/>
+            </p:nvCxnSpPr>
+            <p:spPr>
+              <a:xfrm>
+                <a:off x="4633176" y="3415301"/>
+                <a:ext cx="0" cy="180000"/>
+              </a:xfrm>
+              <a:prstGeom prst="line">
+                <a:avLst/>
+              </a:prstGeom>
+              <a:ln w="38100">
+                <a:solidFill>
+                  <a:srgbClr val="374785"/>
+                </a:solidFill>
+              </a:ln>
+            </p:spPr>
+            <p:style>
+              <a:lnRef idx="1">
+                <a:schemeClr val="accent1"/>
+              </a:lnRef>
+              <a:fillRef idx="0">
+                <a:schemeClr val="accent1"/>
+              </a:fillRef>
+              <a:effectRef idx="0">
+                <a:schemeClr val="accent1"/>
+              </a:effectRef>
+              <a:fontRef idx="minor">
+                <a:schemeClr val="tx1"/>
+              </a:fontRef>
+            </p:style>
+          </p:cxnSp>
+          <p:cxnSp>
+            <p:nvCxnSpPr>
+              <p:cNvPr id="53" name="Gerade Verbindung 52">
+                <a:extLst>
+                  <a:ext uri="{FF2B5EF4-FFF2-40B4-BE49-F238E27FC236}">
+                    <a16:creationId xmlns:a16="http://schemas.microsoft.com/office/drawing/2014/main" id="{B6AF5351-DEF0-7D4C-B06D-9FC3A9A68A81}"/>
+                  </a:ext>
+                </a:extLst>
+              </p:cNvPr>
+              <p:cNvCxnSpPr>
+                <a:cxnSpLocks/>
+              </p:cNvCxnSpPr>
+              <p:nvPr/>
+            </p:nvCxnSpPr>
+            <p:spPr>
+              <a:xfrm>
+                <a:off x="7528209" y="3415301"/>
+                <a:ext cx="0" cy="180000"/>
+              </a:xfrm>
+              <a:prstGeom prst="line">
+                <a:avLst/>
+              </a:prstGeom>
+              <a:ln w="38100">
+                <a:solidFill>
+                  <a:srgbClr val="374785"/>
+                </a:solidFill>
+              </a:ln>
+            </p:spPr>
+            <p:style>
+              <a:lnRef idx="1">
+                <a:schemeClr val="accent1"/>
+              </a:lnRef>
+              <a:fillRef idx="0">
+                <a:schemeClr val="accent1"/>
+              </a:fillRef>
+              <a:effectRef idx="0">
+                <a:schemeClr val="accent1"/>
+              </a:effectRef>
+              <a:fontRef idx="minor">
+                <a:schemeClr val="tx1"/>
+              </a:fontRef>
+            </p:style>
+          </p:cxnSp>
+          <p:cxnSp>
+            <p:nvCxnSpPr>
+              <p:cNvPr id="54" name="Gerade Verbindung 53">
+                <a:extLst>
+                  <a:ext uri="{FF2B5EF4-FFF2-40B4-BE49-F238E27FC236}">
+                    <a16:creationId xmlns:a16="http://schemas.microsoft.com/office/drawing/2014/main" id="{D8FC4F8A-1843-FF4A-B1A6-16E924B55774}"/>
+                  </a:ext>
+                </a:extLst>
+              </p:cNvPr>
+              <p:cNvCxnSpPr>
+                <a:cxnSpLocks/>
+              </p:cNvCxnSpPr>
+              <p:nvPr/>
+            </p:nvCxnSpPr>
+            <p:spPr>
+              <a:xfrm>
+                <a:off x="8975725" y="3415301"/>
+                <a:ext cx="0" cy="180000"/>
+              </a:xfrm>
+              <a:prstGeom prst="line">
+                <a:avLst/>
+              </a:prstGeom>
+              <a:ln w="38100">
+                <a:solidFill>
+                  <a:srgbClr val="374785"/>
+                </a:solidFill>
+              </a:ln>
+            </p:spPr>
+            <p:style>
+              <a:lnRef idx="1">
+                <a:schemeClr val="accent1"/>
+              </a:lnRef>
+              <a:fillRef idx="0">
+                <a:schemeClr val="accent1"/>
+              </a:fillRef>
+              <a:effectRef idx="0">
+                <a:schemeClr val="accent1"/>
+              </a:effectRef>
+              <a:fontRef idx="minor">
+                <a:schemeClr val="tx1"/>
+              </a:fontRef>
+            </p:style>
+          </p:cxnSp>
+          <p:cxnSp>
+            <p:nvCxnSpPr>
+              <p:cNvPr id="55" name="Gerade Verbindung 54">
+                <a:extLst>
+                  <a:ext uri="{FF2B5EF4-FFF2-40B4-BE49-F238E27FC236}">
+                    <a16:creationId xmlns:a16="http://schemas.microsoft.com/office/drawing/2014/main" id="{EC41CBD1-BB17-A54A-AE93-DA1522CC6C5C}"/>
+                  </a:ext>
+                </a:extLst>
+              </p:cNvPr>
+              <p:cNvCxnSpPr>
+                <a:cxnSpLocks/>
+              </p:cNvCxnSpPr>
+              <p:nvPr/>
+            </p:nvCxnSpPr>
+            <p:spPr>
+              <a:xfrm>
+                <a:off x="3214687" y="3415301"/>
+                <a:ext cx="0" cy="180000"/>
+              </a:xfrm>
+              <a:prstGeom prst="line">
+                <a:avLst/>
+              </a:prstGeom>
+              <a:ln w="38100">
+                <a:solidFill>
+                  <a:srgbClr val="374785"/>
+                </a:solidFill>
+              </a:ln>
+            </p:spPr>
+            <p:style>
+              <a:lnRef idx="1">
+                <a:schemeClr val="accent1"/>
+              </a:lnRef>
+              <a:fillRef idx="0">
+                <a:schemeClr val="accent1"/>
+              </a:fillRef>
+              <a:effectRef idx="0">
+                <a:schemeClr val="accent1"/>
+              </a:effectRef>
+              <a:fontRef idx="minor">
+                <a:schemeClr val="tx1"/>
+              </a:fontRef>
+            </p:style>
+          </p:cxnSp>
+          <p:cxnSp>
+            <p:nvCxnSpPr>
+              <p:cNvPr id="56" name="Gerade Verbindung 55">
+                <a:extLst>
+                  <a:ext uri="{FF2B5EF4-FFF2-40B4-BE49-F238E27FC236}">
+                    <a16:creationId xmlns:a16="http://schemas.microsoft.com/office/drawing/2014/main" id="{8706A910-2245-FC4F-9576-0D726881362C}"/>
+                  </a:ext>
+                </a:extLst>
+              </p:cNvPr>
+              <p:cNvCxnSpPr>
+                <a:cxnSpLocks/>
+              </p:cNvCxnSpPr>
+              <p:nvPr/>
+            </p:nvCxnSpPr>
+            <p:spPr>
+              <a:xfrm>
+                <a:off x="2135188" y="3429000"/>
+                <a:ext cx="7952241" cy="0"/>
+              </a:xfrm>
+              <a:prstGeom prst="line">
+                <a:avLst/>
+              </a:prstGeom>
+              <a:ln w="38100">
+                <a:solidFill>
+                  <a:srgbClr val="374785"/>
+                </a:solidFill>
+              </a:ln>
+            </p:spPr>
+            <p:style>
+              <a:lnRef idx="1">
+                <a:schemeClr val="accent1"/>
+              </a:lnRef>
+              <a:fillRef idx="0">
+                <a:schemeClr val="accent1"/>
+              </a:fillRef>
+              <a:effectRef idx="0">
+                <a:schemeClr val="accent1"/>
+              </a:effectRef>
+              <a:fontRef idx="minor">
+                <a:schemeClr val="tx1"/>
+              </a:fontRef>
+            </p:style>
+          </p:cxnSp>
+        </p:grpSp>
+        <mc:AlternateContent xmlns:mc="http://schemas.openxmlformats.org/markup-compatibility/2006" xmlns:a14="http://schemas.microsoft.com/office/drawing/2010/main">
+          <mc:Choice Requires="a14">
+            <p:sp>
+              <p:nvSpPr>
+                <p:cNvPr id="34" name="Textfeld 33">
+                  <a:extLst>
+                    <a:ext uri="{FF2B5EF4-FFF2-40B4-BE49-F238E27FC236}">
+                      <a16:creationId xmlns:a16="http://schemas.microsoft.com/office/drawing/2014/main" id="{A9D30891-0111-9645-863C-3DD164AC4F11}"/>
+                    </a:ext>
+                  </a:extLst>
+                </p:cNvPr>
+                <p:cNvSpPr txBox="1"/>
+                <p:nvPr/>
+              </p:nvSpPr>
+              <p:spPr>
+                <a:xfrm>
+                  <a:off x="5866608" y="3610844"/>
+                  <a:ext cx="428168" cy="307777"/>
+                </a:xfrm>
+                <a:prstGeom prst="rect">
+                  <a:avLst/>
+                </a:prstGeom>
+                <a:noFill/>
+              </p:spPr>
+              <p:txBody>
+                <a:bodyPr wrap="square" rtlCol="0">
+                  <a:spAutoFit/>
+                </a:bodyPr>
+                <a:lstStyle/>
+                <a:p>
+                  <a:pPr algn="ctr"/>
+                  <a14:m>
+                    <m:oMathPara xmlns:m="http://schemas.openxmlformats.org/officeDocument/2006/math">
+                      <m:oMathParaPr>
+                        <m:jc m:val="center"/>
+                      </m:oMathParaPr>
+                      <m:oMath xmlns:m="http://schemas.openxmlformats.org/officeDocument/2006/math">
+                        <m:sSub>
+                          <m:sSubPr>
+                            <m:ctrlPr>
+                              <a:rPr lang="de-DE" sz="1400" b="0" i="1" smtClean="0">
+                                <a:solidFill>
+                                  <a:srgbClr val="8E8D8A"/>
+                                </a:solidFill>
+                                <a:latin typeface="Cambria Math" panose="02040503050406030204" pitchFamily="18" charset="0"/>
+                                <a:ea typeface="Noto Sans Adlam" panose="020B0502040504020204" pitchFamily="34" charset="0"/>
+                                <a:cs typeface="Noto Sans Adlam" panose="020B0502040504020204" pitchFamily="34" charset="0"/>
+                              </a:rPr>
+                            </m:ctrlPr>
+                          </m:sSubPr>
+                          <m:e>
+                            <m:r>
+                              <a:rPr lang="de-DE" sz="1400" b="0" i="1" smtClean="0">
+                                <a:solidFill>
+                                  <a:srgbClr val="8E8D8A"/>
+                                </a:solidFill>
+                                <a:latin typeface="Cambria Math" panose="02040503050406030204" pitchFamily="18" charset="0"/>
+                                <a:ea typeface="Noto Sans Adlam" panose="020B0502040504020204" pitchFamily="34" charset="0"/>
+                                <a:cs typeface="Noto Sans Adlam" panose="020B0502040504020204" pitchFamily="34" charset="0"/>
+                              </a:rPr>
+                              <m:t>𝑚</m:t>
+                            </m:r>
+                            <m:r>
+                              <a:rPr lang="de-DE" sz="1400" b="0" i="1" smtClean="0">
+                                <a:solidFill>
+                                  <a:srgbClr val="8E8D8A"/>
+                                </a:solidFill>
+                                <a:latin typeface="Cambria Math" panose="02040503050406030204" pitchFamily="18" charset="0"/>
+                                <a:ea typeface="Noto Sans Adlam" panose="020B0502040504020204" pitchFamily="34" charset="0"/>
+                                <a:cs typeface="Noto Sans Adlam" panose="020B0502040504020204" pitchFamily="34" charset="0"/>
+                              </a:rPr>
+                              <m:t>=</m:t>
+                            </m:r>
+                            <m:r>
+                              <a:rPr lang="de-DE" sz="1400" b="0" i="1" smtClean="0">
+                                <a:solidFill>
+                                  <a:srgbClr val="8E8D8A"/>
+                                </a:solidFill>
+                                <a:latin typeface="Cambria Math" panose="02040503050406030204" pitchFamily="18" charset="0"/>
+                                <a:ea typeface="Noto Sans Adlam" panose="020B0502040504020204" pitchFamily="34" charset="0"/>
+                                <a:cs typeface="Noto Sans Adlam" panose="020B0502040504020204" pitchFamily="34" charset="0"/>
+                              </a:rPr>
+                              <m:t>𝑞</m:t>
+                            </m:r>
+                          </m:e>
+                          <m:sub>
+                            <m:r>
+                              <a:rPr lang="de-DE" sz="1400" b="0" i="1" smtClean="0">
+                                <a:solidFill>
+                                  <a:srgbClr val="8E8D8A"/>
+                                </a:solidFill>
+                                <a:latin typeface="Cambria Math" panose="02040503050406030204" pitchFamily="18" charset="0"/>
+                                <a:ea typeface="Noto Sans Adlam" panose="020B0502040504020204" pitchFamily="34" charset="0"/>
+                                <a:cs typeface="Noto Sans Adlam" panose="020B0502040504020204" pitchFamily="34" charset="0"/>
+                              </a:rPr>
+                              <m:t>0.5</m:t>
+                            </m:r>
+                          </m:sub>
+                        </m:sSub>
+                      </m:oMath>
+                    </m:oMathPara>
+                  </a14:m>
+                  <a:endParaRPr lang="en-US" sz="1400" dirty="0">
+                    <a:solidFill>
+                      <a:srgbClr val="8E8D8A"/>
+                    </a:solidFill>
+                    <a:latin typeface="Noto Sans Adlam" panose="020B0502040504020204" pitchFamily="34" charset="0"/>
+                    <a:ea typeface="Noto Sans Adlam" panose="020B0502040504020204" pitchFamily="34" charset="0"/>
+                    <a:cs typeface="Noto Sans Adlam" panose="020B0502040504020204" pitchFamily="34" charset="0"/>
+                  </a:endParaRPr>
+                </a:p>
+              </p:txBody>
+            </p:sp>
+          </mc:Choice>
+          <mc:Fallback xmlns="">
+            <p:sp>
+              <p:nvSpPr>
+                <p:cNvPr id="34" name="Textfeld 33">
+                  <a:extLst>
+                    <a:ext uri="{FF2B5EF4-FFF2-40B4-BE49-F238E27FC236}">
+                      <a16:creationId xmlns:a16="http://schemas.microsoft.com/office/drawing/2014/main" id="{A9D30891-0111-9645-863C-3DD164AC4F11}"/>
+                    </a:ext>
+                  </a:extLst>
+                </p:cNvPr>
+                <p:cNvSpPr txBox="1">
+                  <a:spLocks noRot="1" noChangeAspect="1" noMove="1" noResize="1" noEditPoints="1" noAdjustHandles="1" noChangeArrowheads="1" noChangeShapeType="1" noTextEdit="1"/>
+                </p:cNvSpPr>
+                <p:nvPr/>
+              </p:nvSpPr>
+              <p:spPr>
+                <a:xfrm>
+                  <a:off x="5866608" y="3610844"/>
+                  <a:ext cx="428168" cy="307777"/>
+                </a:xfrm>
+                <a:prstGeom prst="rect">
+                  <a:avLst/>
+                </a:prstGeom>
+                <a:blipFill>
+                  <a:blip r:embed="rId2"/>
+                  <a:stretch>
+                    <a:fillRect l="-40000" r="-31429" b="-3846"/>
+                  </a:stretch>
+                </a:blipFill>
+              </p:spPr>
+              <p:txBody>
+                <a:bodyPr/>
+                <a:lstStyle/>
+                <a:p>
+                  <a:r>
+                    <a:rPr lang="en-US">
+                      <a:noFill/>
+                    </a:rPr>
+                    <a:t> </a:t>
+                  </a:r>
+                </a:p>
+              </p:txBody>
+            </p:sp>
+          </mc:Fallback>
+        </mc:AlternateContent>
+        <mc:AlternateContent xmlns:mc="http://schemas.openxmlformats.org/markup-compatibility/2006" xmlns:a14="http://schemas.microsoft.com/office/drawing/2010/main">
+          <mc:Choice Requires="a14">
+            <p:sp>
+              <p:nvSpPr>
+                <p:cNvPr id="35" name="Textfeld 34">
+                  <a:extLst>
+                    <a:ext uri="{FF2B5EF4-FFF2-40B4-BE49-F238E27FC236}">
+                      <a16:creationId xmlns:a16="http://schemas.microsoft.com/office/drawing/2014/main" id="{3DFD339C-F042-3E4D-8B73-F19BF3E2BACB}"/>
+                    </a:ext>
+                  </a:extLst>
+                </p:cNvPr>
+                <p:cNvSpPr txBox="1"/>
+                <p:nvPr/>
+              </p:nvSpPr>
+              <p:spPr>
+                <a:xfrm>
+                  <a:off x="3002194" y="3610844"/>
+                  <a:ext cx="428168" cy="307777"/>
+                </a:xfrm>
+                <a:prstGeom prst="rect">
+                  <a:avLst/>
+                </a:prstGeom>
+                <a:noFill/>
+              </p:spPr>
+              <p:txBody>
+                <a:bodyPr wrap="square" rtlCol="0">
+                  <a:spAutoFit/>
+                </a:bodyPr>
+                <a:lstStyle/>
+                <a:p>
+                  <a:pPr algn="ctr"/>
+                  <a14:m>
+                    <m:oMathPara xmlns:m="http://schemas.openxmlformats.org/officeDocument/2006/math">
+                      <m:oMathParaPr>
+                        <m:jc m:val="center"/>
+                      </m:oMathParaPr>
+                      <m:oMath xmlns:m="http://schemas.openxmlformats.org/officeDocument/2006/math">
+                        <m:sSub>
+                          <m:sSubPr>
+                            <m:ctrlPr>
+                              <a:rPr lang="de-DE" sz="1400" b="0" i="1" smtClean="0">
+                                <a:solidFill>
+                                  <a:srgbClr val="8E8D8A"/>
+                                </a:solidFill>
+                                <a:latin typeface="Cambria Math" panose="02040503050406030204" pitchFamily="18" charset="0"/>
+                                <a:ea typeface="Noto Sans Adlam" panose="020B0502040504020204" pitchFamily="34" charset="0"/>
+                                <a:cs typeface="Noto Sans Adlam" panose="020B0502040504020204" pitchFamily="34" charset="0"/>
+                              </a:rPr>
+                            </m:ctrlPr>
+                          </m:sSubPr>
+                          <m:e>
+                            <m:r>
+                              <a:rPr lang="de-DE" sz="1400" b="0" i="1" smtClean="0">
+                                <a:solidFill>
+                                  <a:srgbClr val="8E8D8A"/>
+                                </a:solidFill>
+                                <a:latin typeface="Cambria Math" panose="02040503050406030204" pitchFamily="18" charset="0"/>
+                                <a:ea typeface="Noto Sans Adlam" panose="020B0502040504020204" pitchFamily="34" charset="0"/>
+                                <a:cs typeface="Noto Sans Adlam" panose="020B0502040504020204" pitchFamily="34" charset="0"/>
+                              </a:rPr>
+                              <m:t>𝑞</m:t>
+                            </m:r>
+                          </m:e>
+                          <m:sub>
+                            <m:r>
+                              <a:rPr lang="de-DE" sz="1400" b="0" i="1" smtClean="0">
+                                <a:solidFill>
+                                  <a:srgbClr val="8E8D8A"/>
+                                </a:solidFill>
+                                <a:latin typeface="Cambria Math" panose="02040503050406030204" pitchFamily="18" charset="0"/>
+                                <a:ea typeface="Noto Sans Adlam" panose="020B0502040504020204" pitchFamily="34" charset="0"/>
+                                <a:cs typeface="Noto Sans Adlam" panose="020B0502040504020204" pitchFamily="34" charset="0"/>
+                              </a:rPr>
+                              <m:t>0.3</m:t>
+                            </m:r>
+                          </m:sub>
+                        </m:sSub>
+                      </m:oMath>
+                    </m:oMathPara>
+                  </a14:m>
+                  <a:endParaRPr lang="en-US" sz="1400" dirty="0">
+                    <a:solidFill>
+                      <a:srgbClr val="8E8D8A"/>
+                    </a:solidFill>
+                    <a:latin typeface="Noto Sans Adlam" panose="020B0502040504020204" pitchFamily="34" charset="0"/>
+                    <a:ea typeface="Noto Sans Adlam" panose="020B0502040504020204" pitchFamily="34" charset="0"/>
+                    <a:cs typeface="Noto Sans Adlam" panose="020B0502040504020204" pitchFamily="34" charset="0"/>
+                  </a:endParaRPr>
+                </a:p>
+              </p:txBody>
+            </p:sp>
+          </mc:Choice>
+          <mc:Fallback xmlns="">
+            <p:sp>
+              <p:nvSpPr>
+                <p:cNvPr id="35" name="Textfeld 34">
+                  <a:extLst>
+                    <a:ext uri="{FF2B5EF4-FFF2-40B4-BE49-F238E27FC236}">
+                      <a16:creationId xmlns:a16="http://schemas.microsoft.com/office/drawing/2014/main" id="{3DFD339C-F042-3E4D-8B73-F19BF3E2BACB}"/>
+                    </a:ext>
+                  </a:extLst>
+                </p:cNvPr>
+                <p:cNvSpPr txBox="1">
+                  <a:spLocks noRot="1" noChangeAspect="1" noMove="1" noResize="1" noEditPoints="1" noAdjustHandles="1" noChangeArrowheads="1" noChangeShapeType="1" noTextEdit="1"/>
+                </p:cNvSpPr>
+                <p:nvPr/>
+              </p:nvSpPr>
+              <p:spPr>
+                <a:xfrm>
+                  <a:off x="3002194" y="3610844"/>
+                  <a:ext cx="428168" cy="307777"/>
+                </a:xfrm>
+                <a:prstGeom prst="rect">
+                  <a:avLst/>
+                </a:prstGeom>
+                <a:blipFill>
+                  <a:blip r:embed="rId3"/>
+                  <a:stretch>
+                    <a:fillRect l="-2857" b="-3846"/>
+                  </a:stretch>
+                </a:blipFill>
+              </p:spPr>
+              <p:txBody>
+                <a:bodyPr/>
+                <a:lstStyle/>
+                <a:p>
+                  <a:r>
+                    <a:rPr lang="en-US">
+                      <a:noFill/>
+                    </a:rPr>
+                    <a:t> </a:t>
+                  </a:r>
+                </a:p>
+              </p:txBody>
+            </p:sp>
+          </mc:Fallback>
+        </mc:AlternateContent>
+        <mc:AlternateContent xmlns:mc="http://schemas.openxmlformats.org/markup-compatibility/2006" xmlns:a14="http://schemas.microsoft.com/office/drawing/2010/main">
+          <mc:Choice Requires="a14">
+            <p:sp>
+              <p:nvSpPr>
+                <p:cNvPr id="36" name="Textfeld 35">
+                  <a:extLst>
+                    <a:ext uri="{FF2B5EF4-FFF2-40B4-BE49-F238E27FC236}">
+                      <a16:creationId xmlns:a16="http://schemas.microsoft.com/office/drawing/2014/main" id="{2DB54738-AF9E-9A43-999C-A17A38348BE8}"/>
+                    </a:ext>
+                  </a:extLst>
+                </p:cNvPr>
+                <p:cNvSpPr txBox="1"/>
+                <p:nvPr/>
+              </p:nvSpPr>
+              <p:spPr>
+                <a:xfrm>
+                  <a:off x="4449710" y="3610844"/>
+                  <a:ext cx="428168" cy="307777"/>
+                </a:xfrm>
+                <a:prstGeom prst="rect">
+                  <a:avLst/>
+                </a:prstGeom>
+                <a:noFill/>
+              </p:spPr>
+              <p:txBody>
+                <a:bodyPr wrap="square" rtlCol="0">
+                  <a:spAutoFit/>
+                </a:bodyPr>
+                <a:lstStyle/>
+                <a:p>
+                  <a:pPr algn="ctr"/>
+                  <a14:m>
+                    <m:oMathPara xmlns:m="http://schemas.openxmlformats.org/officeDocument/2006/math">
+                      <m:oMathParaPr>
+                        <m:jc m:val="center"/>
+                      </m:oMathParaPr>
+                      <m:oMath xmlns:m="http://schemas.openxmlformats.org/officeDocument/2006/math">
+                        <m:sSub>
+                          <m:sSubPr>
+                            <m:ctrlPr>
+                              <a:rPr lang="de-DE" sz="1400" b="0" i="1" smtClean="0">
+                                <a:solidFill>
+                                  <a:srgbClr val="8E8D8A"/>
+                                </a:solidFill>
+                                <a:latin typeface="Cambria Math" panose="02040503050406030204" pitchFamily="18" charset="0"/>
+                                <a:ea typeface="Noto Sans Adlam" panose="020B0502040504020204" pitchFamily="34" charset="0"/>
+                                <a:cs typeface="Noto Sans Adlam" panose="020B0502040504020204" pitchFamily="34" charset="0"/>
+                              </a:rPr>
+                            </m:ctrlPr>
+                          </m:sSubPr>
+                          <m:e>
+                            <m:r>
+                              <a:rPr lang="de-DE" sz="1400" b="0" i="1" smtClean="0">
+                                <a:solidFill>
+                                  <a:srgbClr val="8E8D8A"/>
+                                </a:solidFill>
+                                <a:latin typeface="Cambria Math" panose="02040503050406030204" pitchFamily="18" charset="0"/>
+                                <a:ea typeface="Noto Sans Adlam" panose="020B0502040504020204" pitchFamily="34" charset="0"/>
+                                <a:cs typeface="Noto Sans Adlam" panose="020B0502040504020204" pitchFamily="34" charset="0"/>
+                              </a:rPr>
+                              <m:t>𝑞</m:t>
+                            </m:r>
+                          </m:e>
+                          <m:sub>
+                            <m:r>
+                              <a:rPr lang="de-DE" sz="1400" b="0" i="1" smtClean="0">
+                                <a:solidFill>
+                                  <a:srgbClr val="8E8D8A"/>
+                                </a:solidFill>
+                                <a:latin typeface="Cambria Math" panose="02040503050406030204" pitchFamily="18" charset="0"/>
+                                <a:ea typeface="Noto Sans Adlam" panose="020B0502040504020204" pitchFamily="34" charset="0"/>
+                                <a:cs typeface="Noto Sans Adlam" panose="020B0502040504020204" pitchFamily="34" charset="0"/>
+                              </a:rPr>
+                              <m:t>0.4</m:t>
+                            </m:r>
+                          </m:sub>
+                        </m:sSub>
+                      </m:oMath>
+                    </m:oMathPara>
+                  </a14:m>
+                  <a:endParaRPr lang="en-US" sz="1400" dirty="0">
+                    <a:solidFill>
+                      <a:srgbClr val="8E8D8A"/>
+                    </a:solidFill>
+                    <a:latin typeface="Noto Sans Adlam" panose="020B0502040504020204" pitchFamily="34" charset="0"/>
+                    <a:ea typeface="Noto Sans Adlam" panose="020B0502040504020204" pitchFamily="34" charset="0"/>
+                    <a:cs typeface="Noto Sans Adlam" panose="020B0502040504020204" pitchFamily="34" charset="0"/>
+                  </a:endParaRPr>
+                </a:p>
+              </p:txBody>
+            </p:sp>
+          </mc:Choice>
+          <mc:Fallback xmlns="">
+            <p:sp>
+              <p:nvSpPr>
+                <p:cNvPr id="36" name="Textfeld 35">
+                  <a:extLst>
+                    <a:ext uri="{FF2B5EF4-FFF2-40B4-BE49-F238E27FC236}">
+                      <a16:creationId xmlns:a16="http://schemas.microsoft.com/office/drawing/2014/main" id="{2DB54738-AF9E-9A43-999C-A17A38348BE8}"/>
+                    </a:ext>
+                  </a:extLst>
+                </p:cNvPr>
+                <p:cNvSpPr txBox="1">
+                  <a:spLocks noRot="1" noChangeAspect="1" noMove="1" noResize="1" noEditPoints="1" noAdjustHandles="1" noChangeArrowheads="1" noChangeShapeType="1" noTextEdit="1"/>
+                </p:cNvSpPr>
+                <p:nvPr/>
+              </p:nvSpPr>
+              <p:spPr>
+                <a:xfrm>
+                  <a:off x="4449710" y="3610844"/>
+                  <a:ext cx="428168" cy="307777"/>
+                </a:xfrm>
+                <a:prstGeom prst="rect">
+                  <a:avLst/>
+                </a:prstGeom>
+                <a:blipFill>
+                  <a:blip r:embed="rId4"/>
+                  <a:stretch>
+                    <a:fillRect l="-2941" b="-3846"/>
+                  </a:stretch>
+                </a:blipFill>
+              </p:spPr>
+              <p:txBody>
+                <a:bodyPr/>
+                <a:lstStyle/>
+                <a:p>
+                  <a:r>
+                    <a:rPr lang="en-US">
+                      <a:noFill/>
+                    </a:rPr>
+                    <a:t> </a:t>
+                  </a:r>
+                </a:p>
+              </p:txBody>
+            </p:sp>
+          </mc:Fallback>
+        </mc:AlternateContent>
+        <mc:AlternateContent xmlns:mc="http://schemas.openxmlformats.org/markup-compatibility/2006" xmlns:a14="http://schemas.microsoft.com/office/drawing/2010/main">
+          <mc:Choice Requires="a14">
+            <p:sp>
+              <p:nvSpPr>
+                <p:cNvPr id="37" name="Textfeld 36">
+                  <a:extLst>
+                    <a:ext uri="{FF2B5EF4-FFF2-40B4-BE49-F238E27FC236}">
+                      <a16:creationId xmlns:a16="http://schemas.microsoft.com/office/drawing/2014/main" id="{EF497443-08CE-0049-AE72-36B7810FD59C}"/>
+                    </a:ext>
+                  </a:extLst>
+                </p:cNvPr>
+                <p:cNvSpPr txBox="1"/>
+                <p:nvPr/>
+              </p:nvSpPr>
+              <p:spPr>
+                <a:xfrm>
+                  <a:off x="7314123" y="3610844"/>
+                  <a:ext cx="428168" cy="307777"/>
+                </a:xfrm>
+                <a:prstGeom prst="rect">
+                  <a:avLst/>
+                </a:prstGeom>
+                <a:noFill/>
+              </p:spPr>
+              <p:txBody>
+                <a:bodyPr wrap="square" rtlCol="0">
+                  <a:spAutoFit/>
+                </a:bodyPr>
+                <a:lstStyle/>
+                <a:p>
+                  <a:pPr algn="ctr"/>
+                  <a14:m>
+                    <m:oMathPara xmlns:m="http://schemas.openxmlformats.org/officeDocument/2006/math">
+                      <m:oMathParaPr>
+                        <m:jc m:val="center"/>
+                      </m:oMathParaPr>
+                      <m:oMath xmlns:m="http://schemas.openxmlformats.org/officeDocument/2006/math">
+                        <m:sSub>
+                          <m:sSubPr>
+                            <m:ctrlPr>
+                              <a:rPr lang="de-DE" sz="1400" b="0" i="1" smtClean="0">
+                                <a:solidFill>
+                                  <a:srgbClr val="8E8D8A"/>
+                                </a:solidFill>
+                                <a:latin typeface="Cambria Math" panose="02040503050406030204" pitchFamily="18" charset="0"/>
+                                <a:ea typeface="Noto Sans Adlam" panose="020B0502040504020204" pitchFamily="34" charset="0"/>
+                                <a:cs typeface="Noto Sans Adlam" panose="020B0502040504020204" pitchFamily="34" charset="0"/>
+                              </a:rPr>
+                            </m:ctrlPr>
+                          </m:sSubPr>
+                          <m:e>
+                            <m:r>
+                              <a:rPr lang="de-DE" sz="1400" b="0" i="1" smtClean="0">
+                                <a:solidFill>
+                                  <a:srgbClr val="8E8D8A"/>
+                                </a:solidFill>
+                                <a:latin typeface="Cambria Math" panose="02040503050406030204" pitchFamily="18" charset="0"/>
+                                <a:ea typeface="Noto Sans Adlam" panose="020B0502040504020204" pitchFamily="34" charset="0"/>
+                                <a:cs typeface="Noto Sans Adlam" panose="020B0502040504020204" pitchFamily="34" charset="0"/>
+                              </a:rPr>
+                              <m:t>𝑞</m:t>
+                            </m:r>
+                          </m:e>
+                          <m:sub>
+                            <m:r>
+                              <a:rPr lang="de-DE" sz="1400" b="0" i="1" smtClean="0">
+                                <a:solidFill>
+                                  <a:srgbClr val="8E8D8A"/>
+                                </a:solidFill>
+                                <a:latin typeface="Cambria Math" panose="02040503050406030204" pitchFamily="18" charset="0"/>
+                                <a:ea typeface="Noto Sans Adlam" panose="020B0502040504020204" pitchFamily="34" charset="0"/>
+                                <a:cs typeface="Noto Sans Adlam" panose="020B0502040504020204" pitchFamily="34" charset="0"/>
+                              </a:rPr>
+                              <m:t>0.6</m:t>
+                            </m:r>
+                          </m:sub>
+                        </m:sSub>
+                      </m:oMath>
+                    </m:oMathPara>
+                  </a14:m>
+                  <a:endParaRPr lang="en-US" sz="1400" dirty="0">
+                    <a:solidFill>
+                      <a:srgbClr val="8E8D8A"/>
+                    </a:solidFill>
+                    <a:latin typeface="Noto Sans Adlam" panose="020B0502040504020204" pitchFamily="34" charset="0"/>
+                    <a:ea typeface="Noto Sans Adlam" panose="020B0502040504020204" pitchFamily="34" charset="0"/>
+                    <a:cs typeface="Noto Sans Adlam" panose="020B0502040504020204" pitchFamily="34" charset="0"/>
+                  </a:endParaRPr>
+                </a:p>
+              </p:txBody>
+            </p:sp>
+          </mc:Choice>
+          <mc:Fallback xmlns="">
+            <p:sp>
+              <p:nvSpPr>
+                <p:cNvPr id="37" name="Textfeld 36">
+                  <a:extLst>
+                    <a:ext uri="{FF2B5EF4-FFF2-40B4-BE49-F238E27FC236}">
+                      <a16:creationId xmlns:a16="http://schemas.microsoft.com/office/drawing/2014/main" id="{EF497443-08CE-0049-AE72-36B7810FD59C}"/>
+                    </a:ext>
+                  </a:extLst>
+                </p:cNvPr>
+                <p:cNvSpPr txBox="1">
+                  <a:spLocks noRot="1" noChangeAspect="1" noMove="1" noResize="1" noEditPoints="1" noAdjustHandles="1" noChangeArrowheads="1" noChangeShapeType="1" noTextEdit="1"/>
+                </p:cNvSpPr>
+                <p:nvPr/>
+              </p:nvSpPr>
+              <p:spPr>
+                <a:xfrm>
+                  <a:off x="7314123" y="3610844"/>
+                  <a:ext cx="428168" cy="307777"/>
+                </a:xfrm>
+                <a:prstGeom prst="rect">
+                  <a:avLst/>
+                </a:prstGeom>
+                <a:blipFill>
+                  <a:blip r:embed="rId11"/>
+                  <a:stretch>
+                    <a:fillRect l="-2941" b="-3846"/>
+                  </a:stretch>
+                </a:blipFill>
+              </p:spPr>
+              <p:txBody>
+                <a:bodyPr/>
+                <a:lstStyle/>
+                <a:p>
+                  <a:r>
+                    <a:rPr lang="en-US">
+                      <a:noFill/>
+                    </a:rPr>
+                    <a:t> </a:t>
+                  </a:r>
+                </a:p>
+              </p:txBody>
+            </p:sp>
+          </mc:Fallback>
+        </mc:AlternateContent>
+        <mc:AlternateContent xmlns:mc="http://schemas.openxmlformats.org/markup-compatibility/2006" xmlns:a14="http://schemas.microsoft.com/office/drawing/2010/main">
+          <mc:Choice Requires="a14">
+            <p:sp>
+              <p:nvSpPr>
+                <p:cNvPr id="38" name="Textfeld 37">
+                  <a:extLst>
+                    <a:ext uri="{FF2B5EF4-FFF2-40B4-BE49-F238E27FC236}">
+                      <a16:creationId xmlns:a16="http://schemas.microsoft.com/office/drawing/2014/main" id="{2E8186D9-6B8C-6E46-99F1-1E3A2C1DB670}"/>
+                    </a:ext>
+                  </a:extLst>
+                </p:cNvPr>
+                <p:cNvSpPr txBox="1"/>
+                <p:nvPr/>
+              </p:nvSpPr>
+              <p:spPr>
+                <a:xfrm>
+                  <a:off x="8786248" y="3610844"/>
+                  <a:ext cx="428168" cy="307777"/>
+                </a:xfrm>
+                <a:prstGeom prst="rect">
+                  <a:avLst/>
+                </a:prstGeom>
+                <a:noFill/>
+              </p:spPr>
+              <p:txBody>
+                <a:bodyPr wrap="square" rtlCol="0">
+                  <a:spAutoFit/>
+                </a:bodyPr>
+                <a:lstStyle/>
+                <a:p>
+                  <a:pPr algn="ctr"/>
+                  <a14:m>
+                    <m:oMathPara xmlns:m="http://schemas.openxmlformats.org/officeDocument/2006/math">
+                      <m:oMathParaPr>
+                        <m:jc m:val="center"/>
+                      </m:oMathParaPr>
+                      <m:oMath xmlns:m="http://schemas.openxmlformats.org/officeDocument/2006/math">
+                        <m:sSub>
+                          <m:sSubPr>
+                            <m:ctrlPr>
+                              <a:rPr lang="de-DE" sz="1400" b="0" i="1" smtClean="0">
+                                <a:solidFill>
+                                  <a:srgbClr val="8E8D8A"/>
+                                </a:solidFill>
+                                <a:latin typeface="Cambria Math" panose="02040503050406030204" pitchFamily="18" charset="0"/>
+                                <a:ea typeface="Noto Sans Adlam" panose="020B0502040504020204" pitchFamily="34" charset="0"/>
+                                <a:cs typeface="Noto Sans Adlam" panose="020B0502040504020204" pitchFamily="34" charset="0"/>
+                              </a:rPr>
+                            </m:ctrlPr>
+                          </m:sSubPr>
+                          <m:e>
+                            <m:r>
+                              <a:rPr lang="de-DE" sz="1400" b="0" i="1" smtClean="0">
+                                <a:solidFill>
+                                  <a:srgbClr val="8E8D8A"/>
+                                </a:solidFill>
+                                <a:latin typeface="Cambria Math" panose="02040503050406030204" pitchFamily="18" charset="0"/>
+                                <a:ea typeface="Noto Sans Adlam" panose="020B0502040504020204" pitchFamily="34" charset="0"/>
+                                <a:cs typeface="Noto Sans Adlam" panose="020B0502040504020204" pitchFamily="34" charset="0"/>
+                              </a:rPr>
+                              <m:t>𝑞</m:t>
+                            </m:r>
+                          </m:e>
+                          <m:sub>
+                            <m:r>
+                              <a:rPr lang="de-DE" sz="1400" b="0" i="1" smtClean="0">
+                                <a:solidFill>
+                                  <a:srgbClr val="8E8D8A"/>
+                                </a:solidFill>
+                                <a:latin typeface="Cambria Math" panose="02040503050406030204" pitchFamily="18" charset="0"/>
+                                <a:ea typeface="Noto Sans Adlam" panose="020B0502040504020204" pitchFamily="34" charset="0"/>
+                                <a:cs typeface="Noto Sans Adlam" panose="020B0502040504020204" pitchFamily="34" charset="0"/>
+                              </a:rPr>
+                              <m:t>0.7</m:t>
+                            </m:r>
+                          </m:sub>
+                        </m:sSub>
+                      </m:oMath>
+                    </m:oMathPara>
+                  </a14:m>
+                  <a:endParaRPr lang="en-US" sz="1400" dirty="0">
+                    <a:solidFill>
+                      <a:srgbClr val="8E8D8A"/>
+                    </a:solidFill>
+                    <a:latin typeface="Noto Sans Adlam" panose="020B0502040504020204" pitchFamily="34" charset="0"/>
+                    <a:ea typeface="Noto Sans Adlam" panose="020B0502040504020204" pitchFamily="34" charset="0"/>
+                    <a:cs typeface="Noto Sans Adlam" panose="020B0502040504020204" pitchFamily="34" charset="0"/>
+                  </a:endParaRPr>
+                </a:p>
+              </p:txBody>
+            </p:sp>
+          </mc:Choice>
+          <mc:Fallback xmlns="">
+            <p:sp>
+              <p:nvSpPr>
+                <p:cNvPr id="38" name="Textfeld 37">
+                  <a:extLst>
+                    <a:ext uri="{FF2B5EF4-FFF2-40B4-BE49-F238E27FC236}">
+                      <a16:creationId xmlns:a16="http://schemas.microsoft.com/office/drawing/2014/main" id="{2E8186D9-6B8C-6E46-99F1-1E3A2C1DB670}"/>
+                    </a:ext>
+                  </a:extLst>
+                </p:cNvPr>
+                <p:cNvSpPr txBox="1">
+                  <a:spLocks noRot="1" noChangeAspect="1" noMove="1" noResize="1" noEditPoints="1" noAdjustHandles="1" noChangeArrowheads="1" noChangeShapeType="1" noTextEdit="1"/>
+                </p:cNvSpPr>
+                <p:nvPr/>
+              </p:nvSpPr>
+              <p:spPr>
+                <a:xfrm>
+                  <a:off x="8786248" y="3610844"/>
+                  <a:ext cx="428168" cy="307777"/>
+                </a:xfrm>
+                <a:prstGeom prst="rect">
+                  <a:avLst/>
+                </a:prstGeom>
+                <a:blipFill>
+                  <a:blip r:embed="rId5"/>
+                  <a:stretch>
+                    <a:fillRect l="-2857" b="-3846"/>
+                  </a:stretch>
+                </a:blipFill>
+              </p:spPr>
+              <p:txBody>
+                <a:bodyPr/>
+                <a:lstStyle/>
+                <a:p>
+                  <a:r>
+                    <a:rPr lang="en-US">
+                      <a:noFill/>
+                    </a:rPr>
+                    <a:t> </a:t>
+                  </a:r>
+                </a:p>
+              </p:txBody>
+            </p:sp>
+          </mc:Fallback>
+        </mc:AlternateContent>
+        <p:grpSp>
+          <p:nvGrpSpPr>
+            <p:cNvPr id="39" name="Gruppieren 38">
+              <a:extLst>
+                <a:ext uri="{FF2B5EF4-FFF2-40B4-BE49-F238E27FC236}">
+                  <a16:creationId xmlns:a16="http://schemas.microsoft.com/office/drawing/2014/main" id="{48B05851-1F2C-6E4A-919B-1D11A4464980}"/>
+                </a:ext>
+              </a:extLst>
+            </p:cNvPr>
+            <p:cNvGrpSpPr/>
+            <p:nvPr/>
+          </p:nvGrpSpPr>
+          <p:grpSpPr>
+            <a:xfrm>
+              <a:off x="7536965" y="3918618"/>
+              <a:ext cx="1462824" cy="615543"/>
+              <a:chOff x="6096001" y="4100463"/>
+              <a:chExt cx="1462824" cy="615543"/>
+            </a:xfrm>
+          </p:grpSpPr>
+          <p:sp>
+            <p:nvSpPr>
+              <p:cNvPr id="49" name="Geschweifte Klammer links 48">
+                <a:extLst>
+                  <a:ext uri="{FF2B5EF4-FFF2-40B4-BE49-F238E27FC236}">
+                    <a16:creationId xmlns:a16="http://schemas.microsoft.com/office/drawing/2014/main" id="{DC96F2A1-073A-2A45-9D2D-03602EA9A8DF}"/>
+                  </a:ext>
+                </a:extLst>
+              </p:cNvPr>
+              <p:cNvSpPr/>
+              <p:nvPr/>
+            </p:nvSpPr>
+            <p:spPr>
+              <a:xfrm rot="16200000">
+                <a:off x="6673530" y="3522934"/>
+                <a:ext cx="307765" cy="1462824"/>
+              </a:xfrm>
+              <a:prstGeom prst="leftBrace">
+                <a:avLst/>
+              </a:prstGeom>
+              <a:ln w="38100">
+                <a:solidFill>
+                  <a:srgbClr val="F34213"/>
+                </a:solidFill>
+              </a:ln>
+            </p:spPr>
+            <p:style>
+              <a:lnRef idx="1">
+                <a:schemeClr val="accent1"/>
+              </a:lnRef>
+              <a:fillRef idx="0">
+                <a:schemeClr val="accent1"/>
+              </a:fillRef>
+              <a:effectRef idx="0">
+                <a:schemeClr val="accent1"/>
+              </a:effectRef>
+              <a:fontRef idx="minor">
+                <a:schemeClr val="tx1"/>
+              </a:fontRef>
+            </p:style>
+            <p:txBody>
+              <a:bodyPr rtlCol="0" anchor="ctr"/>
+              <a:lstStyle/>
+              <a:p>
+                <a:pPr algn="ctr"/>
+                <a:endParaRPr lang="en-US"/>
+              </a:p>
+            </p:txBody>
+          </p:sp>
+          <mc:AlternateContent xmlns:mc="http://schemas.openxmlformats.org/markup-compatibility/2006" xmlns:a14="http://schemas.microsoft.com/office/drawing/2010/main">
+            <mc:Choice Requires="a14">
+              <p:sp>
+                <p:nvSpPr>
+                  <p:cNvPr id="50" name="Textfeld 49">
+                    <a:extLst>
+                      <a:ext uri="{FF2B5EF4-FFF2-40B4-BE49-F238E27FC236}">
+                        <a16:creationId xmlns:a16="http://schemas.microsoft.com/office/drawing/2014/main" id="{8FBD7F6C-69DA-D94C-8298-41C90B1828C8}"/>
+                      </a:ext>
+                    </a:extLst>
+                  </p:cNvPr>
+                  <p:cNvSpPr txBox="1"/>
+                  <p:nvPr/>
+                </p:nvSpPr>
+                <p:spPr>
+                  <a:xfrm>
+                    <a:off x="6613329" y="4408229"/>
+                    <a:ext cx="428168" cy="307777"/>
+                  </a:xfrm>
+                  <a:prstGeom prst="rect">
+                    <a:avLst/>
+                  </a:prstGeom>
+                  <a:noFill/>
+                </p:spPr>
+                <p:txBody>
+                  <a:bodyPr wrap="square" rtlCol="0">
+                    <a:spAutoFit/>
+                  </a:bodyPr>
+                  <a:lstStyle/>
+                  <a:p>
+                    <a:pPr algn="ctr"/>
+                    <a14:m>
+                      <m:oMathPara xmlns:m="http://schemas.openxmlformats.org/officeDocument/2006/math">
+                        <m:oMathParaPr>
+                          <m:jc m:val="center"/>
+                        </m:oMathParaPr>
+                        <m:oMath xmlns:m="http://schemas.openxmlformats.org/officeDocument/2006/math">
+                          <m:sSub>
+                            <m:sSubPr>
+                              <m:ctrlPr>
+                                <a:rPr lang="de-DE" sz="1400" b="0" i="1" smtClean="0">
+                                  <a:ln w="9525">
+                                    <a:solidFill>
+                                      <a:srgbClr val="F34213"/>
+                                    </a:solidFill>
+                                  </a:ln>
+                                  <a:solidFill>
+                                    <a:srgbClr val="8E8D8A"/>
+                                  </a:solidFill>
+                                  <a:latin typeface="Cambria Math" panose="02040503050406030204" pitchFamily="18" charset="0"/>
+                                  <a:ea typeface="Noto Sans Adlam" panose="020B0502040504020204" pitchFamily="34" charset="0"/>
+                                  <a:cs typeface="Noto Sans Adlam" panose="020B0502040504020204" pitchFamily="34" charset="0"/>
+                                </a:rPr>
+                              </m:ctrlPr>
+                            </m:sSubPr>
+                            <m:e>
+                              <m:r>
+                                <a:rPr lang="de-DE" sz="1400" b="0" i="1" smtClean="0">
+                                  <a:ln w="9525">
+                                    <a:solidFill>
+                                      <a:srgbClr val="F34213"/>
+                                    </a:solidFill>
+                                  </a:ln>
+                                  <a:solidFill>
+                                    <a:srgbClr val="8E8D8A"/>
+                                  </a:solidFill>
+                                  <a:latin typeface="Cambria Math" panose="02040503050406030204" pitchFamily="18" charset="0"/>
+                                  <a:ea typeface="Noto Sans Adlam" panose="020B0502040504020204" pitchFamily="34" charset="0"/>
+                                  <a:cs typeface="Noto Sans Adlam" panose="020B0502040504020204" pitchFamily="34" charset="0"/>
+                                </a:rPr>
+                                <m:t>𝑞𝑠</m:t>
+                              </m:r>
+                            </m:e>
+                            <m:sub>
+                              <m:r>
+                                <a:rPr lang="de-DE" sz="1400" b="0" i="1" smtClean="0">
+                                  <a:ln w="9525">
+                                    <a:solidFill>
+                                      <a:srgbClr val="F34213"/>
+                                    </a:solidFill>
+                                  </a:ln>
+                                  <a:solidFill>
+                                    <a:srgbClr val="8E8D8A"/>
+                                  </a:solidFill>
+                                  <a:latin typeface="Cambria Math" panose="02040503050406030204" pitchFamily="18" charset="0"/>
+                                  <a:ea typeface="Noto Sans Adlam" panose="020B0502040504020204" pitchFamily="34" charset="0"/>
+                                  <a:cs typeface="Noto Sans Adlam" panose="020B0502040504020204" pitchFamily="34" charset="0"/>
+                                </a:rPr>
+                                <m:t>0.6</m:t>
+                              </m:r>
+                            </m:sub>
+                          </m:sSub>
+                        </m:oMath>
+                      </m:oMathPara>
+                    </a14:m>
+                    <a:endParaRPr lang="en-US" sz="1400" dirty="0">
+                      <a:ln w="9525">
+                        <a:solidFill>
+                          <a:srgbClr val="F34213"/>
+                        </a:solidFill>
+                      </a:ln>
+                      <a:solidFill>
+                        <a:srgbClr val="8E8D8A"/>
+                      </a:solidFill>
+                      <a:latin typeface="Noto Sans Adlam" panose="020B0502040504020204" pitchFamily="34" charset="0"/>
+                      <a:ea typeface="Noto Sans Adlam" panose="020B0502040504020204" pitchFamily="34" charset="0"/>
+                      <a:cs typeface="Noto Sans Adlam" panose="020B0502040504020204" pitchFamily="34" charset="0"/>
+                    </a:endParaRPr>
+                  </a:p>
+                </p:txBody>
+              </p:sp>
+            </mc:Choice>
+            <mc:Fallback xmlns="">
+              <p:sp>
+                <p:nvSpPr>
+                  <p:cNvPr id="50" name="Textfeld 49">
+                    <a:extLst>
+                      <a:ext uri="{FF2B5EF4-FFF2-40B4-BE49-F238E27FC236}">
+                        <a16:creationId xmlns:a16="http://schemas.microsoft.com/office/drawing/2014/main" id="{8FBD7F6C-69DA-D94C-8298-41C90B1828C8}"/>
+                      </a:ext>
+                    </a:extLst>
+                  </p:cNvPr>
+                  <p:cNvSpPr txBox="1">
+                    <a:spLocks noRot="1" noChangeAspect="1" noMove="1" noResize="1" noEditPoints="1" noAdjustHandles="1" noChangeArrowheads="1" noChangeShapeType="1" noTextEdit="1"/>
+                  </p:cNvSpPr>
+                  <p:nvPr/>
+                </p:nvSpPr>
+                <p:spPr>
+                  <a:xfrm>
+                    <a:off x="6613329" y="4408229"/>
+                    <a:ext cx="428168" cy="307777"/>
+                  </a:xfrm>
+                  <a:prstGeom prst="rect">
+                    <a:avLst/>
+                  </a:prstGeom>
+                  <a:blipFill>
+                    <a:blip r:embed="rId12"/>
+                    <a:stretch>
+                      <a:fillRect/>
+                    </a:stretch>
+                  </a:blipFill>
+                </p:spPr>
+                <p:txBody>
+                  <a:bodyPr/>
+                  <a:lstStyle/>
+                  <a:p>
+                    <a:r>
+                      <a:rPr lang="en-US">
+                        <a:noFill/>
+                      </a:rPr>
+                      <a:t> </a:t>
+                    </a:r>
+                  </a:p>
+                </p:txBody>
+              </p:sp>
+            </mc:Fallback>
+          </mc:AlternateContent>
+        </p:grpSp>
+        <p:grpSp>
+          <p:nvGrpSpPr>
+            <p:cNvPr id="40" name="Gruppieren 39">
+              <a:extLst>
+                <a:ext uri="{FF2B5EF4-FFF2-40B4-BE49-F238E27FC236}">
+                  <a16:creationId xmlns:a16="http://schemas.microsoft.com/office/drawing/2014/main" id="{D7984506-4373-5E41-9AF5-F12FC3159983}"/>
+                </a:ext>
+              </a:extLst>
+            </p:cNvPr>
+            <p:cNvGrpSpPr/>
+            <p:nvPr/>
+          </p:nvGrpSpPr>
+          <p:grpSpPr>
+            <a:xfrm>
+              <a:off x="7542027" y="3610844"/>
+              <a:ext cx="1418137" cy="0"/>
+              <a:chOff x="5376613" y="3207657"/>
+              <a:chExt cx="1418137" cy="0"/>
+            </a:xfrm>
+          </p:grpSpPr>
+          <p:cxnSp>
+            <p:nvCxnSpPr>
+              <p:cNvPr id="47" name="Gerade Verbindung mit Pfeil 46">
+                <a:extLst>
+                  <a:ext uri="{FF2B5EF4-FFF2-40B4-BE49-F238E27FC236}">
+                    <a16:creationId xmlns:a16="http://schemas.microsoft.com/office/drawing/2014/main" id="{DC7FE5A5-8464-C346-BC4F-58312F2124FD}"/>
+                  </a:ext>
+                </a:extLst>
+              </p:cNvPr>
+              <p:cNvCxnSpPr>
+                <a:cxnSpLocks/>
+              </p:cNvCxnSpPr>
+              <p:nvPr/>
+            </p:nvCxnSpPr>
+            <p:spPr>
+              <a:xfrm flipH="1">
+                <a:off x="5376613" y="3207657"/>
+                <a:ext cx="540000" cy="0"/>
+              </a:xfrm>
+              <a:prstGeom prst="straightConnector1">
+                <a:avLst/>
+              </a:prstGeom>
+              <a:ln w="38100">
+                <a:solidFill>
+                  <a:srgbClr val="F34213"/>
+                </a:solidFill>
+                <a:tailEnd type="triangle"/>
+              </a:ln>
+            </p:spPr>
+            <p:style>
+              <a:lnRef idx="1">
+                <a:schemeClr val="accent1"/>
+              </a:lnRef>
+              <a:fillRef idx="0">
+                <a:schemeClr val="accent1"/>
+              </a:fillRef>
+              <a:effectRef idx="0">
+                <a:schemeClr val="accent1"/>
+              </a:effectRef>
+              <a:fontRef idx="minor">
+                <a:schemeClr val="tx1"/>
+              </a:fontRef>
+            </p:style>
+          </p:cxnSp>
+          <p:cxnSp>
+            <p:nvCxnSpPr>
+              <p:cNvPr id="48" name="Gerade Verbindung mit Pfeil 47">
+                <a:extLst>
+                  <a:ext uri="{FF2B5EF4-FFF2-40B4-BE49-F238E27FC236}">
+                    <a16:creationId xmlns:a16="http://schemas.microsoft.com/office/drawing/2014/main" id="{DA41C737-62C5-824F-9B97-CA66160AF5FC}"/>
+                  </a:ext>
+                </a:extLst>
+              </p:cNvPr>
+              <p:cNvCxnSpPr>
+                <a:cxnSpLocks/>
+              </p:cNvCxnSpPr>
+              <p:nvPr/>
+            </p:nvCxnSpPr>
+            <p:spPr>
+              <a:xfrm>
+                <a:off x="6254750" y="3207657"/>
+                <a:ext cx="540000" cy="0"/>
+              </a:xfrm>
+              <a:prstGeom prst="straightConnector1">
+                <a:avLst/>
+              </a:prstGeom>
+              <a:ln w="38100">
+                <a:solidFill>
+                  <a:srgbClr val="F34213"/>
+                </a:solidFill>
+                <a:tailEnd type="triangle"/>
+              </a:ln>
+            </p:spPr>
+            <p:style>
+              <a:lnRef idx="1">
+                <a:schemeClr val="accent1"/>
+              </a:lnRef>
+              <a:fillRef idx="0">
+                <a:schemeClr val="accent1"/>
+              </a:fillRef>
+              <a:effectRef idx="0">
+                <a:schemeClr val="accent1"/>
+              </a:effectRef>
+              <a:fontRef idx="minor">
+                <a:schemeClr val="tx1"/>
+              </a:fontRef>
+            </p:style>
+          </p:cxnSp>
+        </p:grpSp>
+        <p:grpSp>
+          <p:nvGrpSpPr>
+            <p:cNvPr id="41" name="Gruppieren 40">
+              <a:extLst>
+                <a:ext uri="{FF2B5EF4-FFF2-40B4-BE49-F238E27FC236}">
+                  <a16:creationId xmlns:a16="http://schemas.microsoft.com/office/drawing/2014/main" id="{AB0F91E4-29A9-D947-8D26-A7CB7799318D}"/>
+                </a:ext>
+              </a:extLst>
+            </p:cNvPr>
+            <p:cNvGrpSpPr/>
+            <p:nvPr/>
+          </p:nvGrpSpPr>
+          <p:grpSpPr>
+            <a:xfrm>
+              <a:off x="3192211" y="3918618"/>
+              <a:ext cx="1462824" cy="615543"/>
+              <a:chOff x="6096001" y="4100463"/>
+              <a:chExt cx="1462824" cy="615543"/>
+            </a:xfrm>
+          </p:grpSpPr>
+          <p:sp>
+            <p:nvSpPr>
+              <p:cNvPr id="45" name="Geschweifte Klammer links 44">
+                <a:extLst>
+                  <a:ext uri="{FF2B5EF4-FFF2-40B4-BE49-F238E27FC236}">
+                    <a16:creationId xmlns:a16="http://schemas.microsoft.com/office/drawing/2014/main" id="{D3E9484F-F3B7-1842-99DB-C08E2CAF15AE}"/>
+                  </a:ext>
+                </a:extLst>
+              </p:cNvPr>
+              <p:cNvSpPr/>
+              <p:nvPr/>
+            </p:nvSpPr>
+            <p:spPr>
+              <a:xfrm rot="16200000">
+                <a:off x="6673530" y="3522934"/>
+                <a:ext cx="307765" cy="1462824"/>
+              </a:xfrm>
+              <a:prstGeom prst="leftBrace">
+                <a:avLst/>
+              </a:prstGeom>
+              <a:ln w="38100">
+                <a:solidFill>
+                  <a:srgbClr val="F34213"/>
+                </a:solidFill>
+              </a:ln>
+            </p:spPr>
+            <p:style>
+              <a:lnRef idx="1">
+                <a:schemeClr val="accent1"/>
+              </a:lnRef>
+              <a:fillRef idx="0">
+                <a:schemeClr val="accent1"/>
+              </a:fillRef>
+              <a:effectRef idx="0">
+                <a:schemeClr val="accent1"/>
+              </a:effectRef>
+              <a:fontRef idx="minor">
+                <a:schemeClr val="tx1"/>
+              </a:fontRef>
+            </p:style>
+            <p:txBody>
+              <a:bodyPr rtlCol="0" anchor="ctr"/>
+              <a:lstStyle/>
+              <a:p>
+                <a:pPr algn="ctr"/>
+                <a:endParaRPr lang="en-US"/>
+              </a:p>
+            </p:txBody>
+          </p:sp>
+          <mc:AlternateContent xmlns:mc="http://schemas.openxmlformats.org/markup-compatibility/2006" xmlns:a14="http://schemas.microsoft.com/office/drawing/2010/main">
+            <mc:Choice Requires="a14">
+              <p:sp>
+                <p:nvSpPr>
+                  <p:cNvPr id="46" name="Textfeld 45">
+                    <a:extLst>
+                      <a:ext uri="{FF2B5EF4-FFF2-40B4-BE49-F238E27FC236}">
+                        <a16:creationId xmlns:a16="http://schemas.microsoft.com/office/drawing/2014/main" id="{9B1A77E6-2FC1-504B-8802-0416BD414BD9}"/>
+                      </a:ext>
+                    </a:extLst>
+                  </p:cNvPr>
+                  <p:cNvSpPr txBox="1"/>
+                  <p:nvPr/>
+                </p:nvSpPr>
+                <p:spPr>
+                  <a:xfrm>
+                    <a:off x="6613329" y="4408229"/>
+                    <a:ext cx="428168" cy="307777"/>
+                  </a:xfrm>
+                  <a:prstGeom prst="rect">
+                    <a:avLst/>
+                  </a:prstGeom>
+                  <a:noFill/>
+                </p:spPr>
+                <p:txBody>
+                  <a:bodyPr wrap="square" rtlCol="0">
+                    <a:spAutoFit/>
+                  </a:bodyPr>
+                  <a:lstStyle/>
+                  <a:p>
+                    <a:pPr algn="ctr"/>
+                    <a14:m>
+                      <m:oMathPara xmlns:m="http://schemas.openxmlformats.org/officeDocument/2006/math">
+                        <m:oMathParaPr>
+                          <m:jc m:val="center"/>
+                        </m:oMathParaPr>
+                        <m:oMath xmlns:m="http://schemas.openxmlformats.org/officeDocument/2006/math">
+                          <m:sSub>
+                            <m:sSubPr>
+                              <m:ctrlPr>
+                                <a:rPr lang="de-DE" sz="1400" b="0" i="1" smtClean="0">
+                                  <a:ln w="9525">
+                                    <a:solidFill>
+                                      <a:srgbClr val="F34213"/>
+                                    </a:solidFill>
+                                  </a:ln>
+                                  <a:solidFill>
+                                    <a:srgbClr val="8E8D8A"/>
+                                  </a:solidFill>
+                                  <a:latin typeface="Cambria Math" panose="02040503050406030204" pitchFamily="18" charset="0"/>
+                                  <a:ea typeface="Noto Sans Adlam" panose="020B0502040504020204" pitchFamily="34" charset="0"/>
+                                  <a:cs typeface="Noto Sans Adlam" panose="020B0502040504020204" pitchFamily="34" charset="0"/>
+                                </a:rPr>
+                              </m:ctrlPr>
+                            </m:sSubPr>
+                            <m:e>
+                              <m:r>
+                                <a:rPr lang="de-DE" sz="1400" b="0" i="1" smtClean="0">
+                                  <a:ln w="9525">
+                                    <a:solidFill>
+                                      <a:srgbClr val="F34213"/>
+                                    </a:solidFill>
+                                  </a:ln>
+                                  <a:solidFill>
+                                    <a:srgbClr val="8E8D8A"/>
+                                  </a:solidFill>
+                                  <a:latin typeface="Cambria Math" panose="02040503050406030204" pitchFamily="18" charset="0"/>
+                                  <a:ea typeface="Noto Sans Adlam" panose="020B0502040504020204" pitchFamily="34" charset="0"/>
+                                  <a:cs typeface="Noto Sans Adlam" panose="020B0502040504020204" pitchFamily="34" charset="0"/>
+                                </a:rPr>
+                                <m:t>𝑞𝑠</m:t>
+                              </m:r>
+                            </m:e>
+                            <m:sub>
+                              <m:r>
+                                <a:rPr lang="de-DE" sz="1400" b="0" i="1" smtClean="0">
+                                  <a:ln w="9525">
+                                    <a:solidFill>
+                                      <a:srgbClr val="F34213"/>
+                                    </a:solidFill>
+                                  </a:ln>
+                                  <a:solidFill>
+                                    <a:srgbClr val="8E8D8A"/>
+                                  </a:solidFill>
+                                  <a:latin typeface="Cambria Math" panose="02040503050406030204" pitchFamily="18" charset="0"/>
+                                  <a:ea typeface="Noto Sans Adlam" panose="020B0502040504020204" pitchFamily="34" charset="0"/>
+                                  <a:cs typeface="Noto Sans Adlam" panose="020B0502040504020204" pitchFamily="34" charset="0"/>
+                                </a:rPr>
+                                <m:t>0.3</m:t>
+                              </m:r>
+                            </m:sub>
+                          </m:sSub>
+                        </m:oMath>
+                      </m:oMathPara>
+                    </a14:m>
+                    <a:endParaRPr lang="en-US" sz="1400" dirty="0">
+                      <a:ln w="9525">
+                        <a:solidFill>
+                          <a:srgbClr val="F34213"/>
+                        </a:solidFill>
+                      </a:ln>
+                      <a:solidFill>
+                        <a:srgbClr val="8E8D8A"/>
+                      </a:solidFill>
+                      <a:latin typeface="Noto Sans Adlam" panose="020B0502040504020204" pitchFamily="34" charset="0"/>
+                      <a:ea typeface="Noto Sans Adlam" panose="020B0502040504020204" pitchFamily="34" charset="0"/>
+                      <a:cs typeface="Noto Sans Adlam" panose="020B0502040504020204" pitchFamily="34" charset="0"/>
+                    </a:endParaRPr>
+                  </a:p>
+                </p:txBody>
+              </p:sp>
+            </mc:Choice>
+            <mc:Fallback xmlns="">
+              <p:sp>
+                <p:nvSpPr>
+                  <p:cNvPr id="46" name="Textfeld 45">
+                    <a:extLst>
+                      <a:ext uri="{FF2B5EF4-FFF2-40B4-BE49-F238E27FC236}">
+                        <a16:creationId xmlns:a16="http://schemas.microsoft.com/office/drawing/2014/main" id="{9B1A77E6-2FC1-504B-8802-0416BD414BD9}"/>
+                      </a:ext>
+                    </a:extLst>
+                  </p:cNvPr>
+                  <p:cNvSpPr txBox="1">
+                    <a:spLocks noRot="1" noChangeAspect="1" noMove="1" noResize="1" noEditPoints="1" noAdjustHandles="1" noChangeArrowheads="1" noChangeShapeType="1" noTextEdit="1"/>
+                  </p:cNvSpPr>
+                  <p:nvPr/>
+                </p:nvSpPr>
+                <p:spPr>
+                  <a:xfrm>
+                    <a:off x="6613329" y="4408229"/>
+                    <a:ext cx="428168" cy="307777"/>
+                  </a:xfrm>
+                  <a:prstGeom prst="rect">
+                    <a:avLst/>
+                  </a:prstGeom>
+                  <a:blipFill>
+                    <a:blip r:embed="rId13"/>
+                    <a:stretch>
+                      <a:fillRect/>
+                    </a:stretch>
+                  </a:blipFill>
+                </p:spPr>
+                <p:txBody>
+                  <a:bodyPr/>
+                  <a:lstStyle/>
+                  <a:p>
+                    <a:r>
+                      <a:rPr lang="en-US">
+                        <a:noFill/>
+                      </a:rPr>
+                      <a:t> </a:t>
+                    </a:r>
+                  </a:p>
+                </p:txBody>
+              </p:sp>
+            </mc:Fallback>
+          </mc:AlternateContent>
+        </p:grpSp>
+        <p:grpSp>
+          <p:nvGrpSpPr>
+            <p:cNvPr id="42" name="Gruppieren 41">
+              <a:extLst>
+                <a:ext uri="{FF2B5EF4-FFF2-40B4-BE49-F238E27FC236}">
+                  <a16:creationId xmlns:a16="http://schemas.microsoft.com/office/drawing/2014/main" id="{A2F285F3-6CB2-0948-8AA3-C30BA17F7F33}"/>
+                </a:ext>
+              </a:extLst>
+            </p:cNvPr>
+            <p:cNvGrpSpPr/>
+            <p:nvPr/>
+          </p:nvGrpSpPr>
+          <p:grpSpPr>
+            <a:xfrm>
+              <a:off x="2160764" y="2959575"/>
+              <a:ext cx="1394521" cy="276999"/>
+              <a:chOff x="1992603" y="2707333"/>
+              <a:chExt cx="1394521" cy="276999"/>
+            </a:xfrm>
+          </p:grpSpPr>
+          <p:sp>
+            <p:nvSpPr>
+              <p:cNvPr id="43" name="Textfeld 42">
+                <a:extLst>
+                  <a:ext uri="{FF2B5EF4-FFF2-40B4-BE49-F238E27FC236}">
+                    <a16:creationId xmlns:a16="http://schemas.microsoft.com/office/drawing/2014/main" id="{73381C2F-BC67-2B49-89D6-07C87883EE7A}"/>
+                  </a:ext>
+                </a:extLst>
+              </p:cNvPr>
+              <p:cNvSpPr txBox="1"/>
+              <p:nvPr/>
+            </p:nvSpPr>
+            <p:spPr>
+              <a:xfrm>
+                <a:off x="2135188" y="2707333"/>
+                <a:ext cx="1251936" cy="276999"/>
+              </a:xfrm>
+              <a:prstGeom prst="rect">
+                <a:avLst/>
+              </a:prstGeom>
+              <a:noFill/>
+            </p:spPr>
+            <p:txBody>
+              <a:bodyPr wrap="square" rtlCol="0">
+                <a:spAutoFit/>
+              </a:bodyPr>
+              <a:lstStyle/>
+              <a:p>
+                <a:r>
+                  <a:rPr lang="en-US" sz="1200" dirty="0"/>
+                  <a:t>Neighbor based</a:t>
+                </a:r>
+              </a:p>
+            </p:txBody>
+          </p:sp>
+          <p:pic>
+            <p:nvPicPr>
+              <p:cNvPr id="44" name="Grafik 43">
+                <a:extLst>
+                  <a:ext uri="{FF2B5EF4-FFF2-40B4-BE49-F238E27FC236}">
+                    <a16:creationId xmlns:a16="http://schemas.microsoft.com/office/drawing/2014/main" id="{D4D584C3-EF81-6C41-A420-B3F1F0BF489C}"/>
+                  </a:ext>
+                </a:extLst>
+              </p:cNvPr>
+              <p:cNvPicPr>
+                <a:picLocks noChangeAspect="1"/>
+              </p:cNvPicPr>
+              <p:nvPr/>
+            </p:nvPicPr>
+            <p:blipFill>
+              <a:blip r:embed="rId14">
+                <a:grayscl/>
+              </a:blip>
+              <a:stretch>
+                <a:fillRect/>
+              </a:stretch>
+            </p:blipFill>
+            <p:spPr>
+              <a:xfrm>
+                <a:off x="1992603" y="2743200"/>
+                <a:ext cx="202745" cy="202745"/>
+              </a:xfrm>
+              <a:prstGeom prst="rect">
+                <a:avLst/>
+              </a:prstGeom>
+            </p:spPr>
+          </p:pic>
+        </p:grpSp>
+      </p:grpSp>
+      <p:grpSp>
+        <p:nvGrpSpPr>
+          <p:cNvPr id="82" name="Gruppieren 81">
+            <a:extLst>
+              <a:ext uri="{FF2B5EF4-FFF2-40B4-BE49-F238E27FC236}">
+                <a16:creationId xmlns:a16="http://schemas.microsoft.com/office/drawing/2014/main" id="{729F2DE5-8E0A-C940-803A-BA3A17DF1253}"/>
+              </a:ext>
+            </a:extLst>
+          </p:cNvPr>
+          <p:cNvGrpSpPr/>
+          <p:nvPr/>
+        </p:nvGrpSpPr>
+        <p:grpSpPr>
+          <a:xfrm>
+            <a:off x="2135188" y="3605969"/>
+            <a:ext cx="7952241" cy="2082521"/>
+            <a:chOff x="2135188" y="2959575"/>
+            <a:chExt cx="7952241" cy="2082521"/>
+          </a:xfrm>
+        </p:grpSpPr>
+        <p:grpSp>
+          <p:nvGrpSpPr>
+            <p:cNvPr id="83" name="Gruppieren 82">
+              <a:extLst>
+                <a:ext uri="{FF2B5EF4-FFF2-40B4-BE49-F238E27FC236}">
+                  <a16:creationId xmlns:a16="http://schemas.microsoft.com/office/drawing/2014/main" id="{55F39C83-2D29-5C46-9704-1812424A3CD7}"/>
+                </a:ext>
+              </a:extLst>
+            </p:cNvPr>
+            <p:cNvGrpSpPr/>
+            <p:nvPr/>
+          </p:nvGrpSpPr>
+          <p:grpSpPr>
+            <a:xfrm>
+              <a:off x="2135188" y="3415301"/>
+              <a:ext cx="7952241" cy="180000"/>
+              <a:chOff x="2135188" y="3415301"/>
+              <a:chExt cx="7952241" cy="180000"/>
+            </a:xfrm>
+          </p:grpSpPr>
+          <p:cxnSp>
+            <p:nvCxnSpPr>
+              <p:cNvPr id="101" name="Gerade Verbindung 100">
+                <a:extLst>
+                  <a:ext uri="{FF2B5EF4-FFF2-40B4-BE49-F238E27FC236}">
+                    <a16:creationId xmlns:a16="http://schemas.microsoft.com/office/drawing/2014/main" id="{26DD8094-A5D3-C242-B399-B99E175B783D}"/>
+                  </a:ext>
+                </a:extLst>
+              </p:cNvPr>
+              <p:cNvCxnSpPr>
+                <a:cxnSpLocks/>
+              </p:cNvCxnSpPr>
+              <p:nvPr/>
+            </p:nvCxnSpPr>
+            <p:spPr>
+              <a:xfrm>
+                <a:off x="6080692" y="3415301"/>
+                <a:ext cx="0" cy="180000"/>
+              </a:xfrm>
+              <a:prstGeom prst="line">
+                <a:avLst/>
+              </a:prstGeom>
+              <a:ln w="38100">
+                <a:solidFill>
+                  <a:srgbClr val="374785"/>
+                </a:solidFill>
+              </a:ln>
+            </p:spPr>
+            <p:style>
+              <a:lnRef idx="1">
+                <a:schemeClr val="accent1"/>
+              </a:lnRef>
+              <a:fillRef idx="0">
+                <a:schemeClr val="accent1"/>
+              </a:fillRef>
+              <a:effectRef idx="0">
+                <a:schemeClr val="accent1"/>
+              </a:effectRef>
+              <a:fontRef idx="minor">
+                <a:schemeClr val="tx1"/>
+              </a:fontRef>
+            </p:style>
+          </p:cxnSp>
+          <p:cxnSp>
+            <p:nvCxnSpPr>
+              <p:cNvPr id="102" name="Gerade Verbindung 101">
+                <a:extLst>
+                  <a:ext uri="{FF2B5EF4-FFF2-40B4-BE49-F238E27FC236}">
+                    <a16:creationId xmlns:a16="http://schemas.microsoft.com/office/drawing/2014/main" id="{EF7EF01E-902E-0941-BA52-F7C82D0705C1}"/>
+                  </a:ext>
+                </a:extLst>
+              </p:cNvPr>
+              <p:cNvCxnSpPr>
+                <a:cxnSpLocks/>
+              </p:cNvCxnSpPr>
+              <p:nvPr/>
+            </p:nvCxnSpPr>
+            <p:spPr>
+              <a:xfrm>
+                <a:off x="4633176" y="3415301"/>
+                <a:ext cx="0" cy="180000"/>
+              </a:xfrm>
+              <a:prstGeom prst="line">
+                <a:avLst/>
+              </a:prstGeom>
+              <a:ln w="38100">
+                <a:solidFill>
+                  <a:srgbClr val="374785"/>
+                </a:solidFill>
+              </a:ln>
+            </p:spPr>
+            <p:style>
+              <a:lnRef idx="1">
+                <a:schemeClr val="accent1"/>
+              </a:lnRef>
+              <a:fillRef idx="0">
+                <a:schemeClr val="accent1"/>
+              </a:fillRef>
+              <a:effectRef idx="0">
+                <a:schemeClr val="accent1"/>
+              </a:effectRef>
+              <a:fontRef idx="minor">
+                <a:schemeClr val="tx1"/>
+              </a:fontRef>
+            </p:style>
+          </p:cxnSp>
+          <p:cxnSp>
+            <p:nvCxnSpPr>
+              <p:cNvPr id="103" name="Gerade Verbindung 102">
+                <a:extLst>
+                  <a:ext uri="{FF2B5EF4-FFF2-40B4-BE49-F238E27FC236}">
+                    <a16:creationId xmlns:a16="http://schemas.microsoft.com/office/drawing/2014/main" id="{5671E30B-C5BE-F445-8E20-C27375C86E72}"/>
+                  </a:ext>
+                </a:extLst>
+              </p:cNvPr>
+              <p:cNvCxnSpPr>
+                <a:cxnSpLocks/>
+              </p:cNvCxnSpPr>
+              <p:nvPr/>
+            </p:nvCxnSpPr>
+            <p:spPr>
+              <a:xfrm>
+                <a:off x="7528209" y="3415301"/>
+                <a:ext cx="0" cy="180000"/>
+              </a:xfrm>
+              <a:prstGeom prst="line">
+                <a:avLst/>
+              </a:prstGeom>
+              <a:ln w="38100">
+                <a:solidFill>
+                  <a:srgbClr val="374785"/>
+                </a:solidFill>
+              </a:ln>
+            </p:spPr>
+            <p:style>
+              <a:lnRef idx="1">
+                <a:schemeClr val="accent1"/>
+              </a:lnRef>
+              <a:fillRef idx="0">
+                <a:schemeClr val="accent1"/>
+              </a:fillRef>
+              <a:effectRef idx="0">
+                <a:schemeClr val="accent1"/>
+              </a:effectRef>
+              <a:fontRef idx="minor">
+                <a:schemeClr val="tx1"/>
+              </a:fontRef>
+            </p:style>
+          </p:cxnSp>
+          <p:cxnSp>
+            <p:nvCxnSpPr>
+              <p:cNvPr id="104" name="Gerade Verbindung 103">
+                <a:extLst>
+                  <a:ext uri="{FF2B5EF4-FFF2-40B4-BE49-F238E27FC236}">
+                    <a16:creationId xmlns:a16="http://schemas.microsoft.com/office/drawing/2014/main" id="{011D28D8-47FE-354C-A97A-6153FC13B32C}"/>
+                  </a:ext>
+                </a:extLst>
+              </p:cNvPr>
+              <p:cNvCxnSpPr>
+                <a:cxnSpLocks/>
+              </p:cNvCxnSpPr>
+              <p:nvPr/>
+            </p:nvCxnSpPr>
+            <p:spPr>
+              <a:xfrm>
+                <a:off x="8975725" y="3415301"/>
+                <a:ext cx="0" cy="180000"/>
+              </a:xfrm>
+              <a:prstGeom prst="line">
+                <a:avLst/>
+              </a:prstGeom>
+              <a:ln w="38100">
+                <a:solidFill>
+                  <a:srgbClr val="374785"/>
+                </a:solidFill>
+              </a:ln>
+            </p:spPr>
+            <p:style>
+              <a:lnRef idx="1">
+                <a:schemeClr val="accent1"/>
+              </a:lnRef>
+              <a:fillRef idx="0">
+                <a:schemeClr val="accent1"/>
+              </a:fillRef>
+              <a:effectRef idx="0">
+                <a:schemeClr val="accent1"/>
+              </a:effectRef>
+              <a:fontRef idx="minor">
+                <a:schemeClr val="tx1"/>
+              </a:fontRef>
+            </p:style>
+          </p:cxnSp>
+          <p:cxnSp>
+            <p:nvCxnSpPr>
+              <p:cNvPr id="105" name="Gerade Verbindung 104">
+                <a:extLst>
+                  <a:ext uri="{FF2B5EF4-FFF2-40B4-BE49-F238E27FC236}">
+                    <a16:creationId xmlns:a16="http://schemas.microsoft.com/office/drawing/2014/main" id="{ACD425E6-E3D5-DD4D-9CBA-8ADA806CEF31}"/>
+                  </a:ext>
+                </a:extLst>
+              </p:cNvPr>
+              <p:cNvCxnSpPr>
+                <a:cxnSpLocks/>
+              </p:cNvCxnSpPr>
+              <p:nvPr/>
+            </p:nvCxnSpPr>
+            <p:spPr>
+              <a:xfrm>
+                <a:off x="3214687" y="3415301"/>
+                <a:ext cx="0" cy="180000"/>
+              </a:xfrm>
+              <a:prstGeom prst="line">
+                <a:avLst/>
+              </a:prstGeom>
+              <a:ln w="38100">
+                <a:solidFill>
+                  <a:srgbClr val="374785"/>
+                </a:solidFill>
+              </a:ln>
+            </p:spPr>
+            <p:style>
+              <a:lnRef idx="1">
+                <a:schemeClr val="accent1"/>
+              </a:lnRef>
+              <a:fillRef idx="0">
+                <a:schemeClr val="accent1"/>
+              </a:fillRef>
+              <a:effectRef idx="0">
+                <a:schemeClr val="accent1"/>
+              </a:effectRef>
+              <a:fontRef idx="minor">
+                <a:schemeClr val="tx1"/>
+              </a:fontRef>
+            </p:style>
+          </p:cxnSp>
+          <p:cxnSp>
+            <p:nvCxnSpPr>
+              <p:cNvPr id="106" name="Gerade Verbindung 105">
+                <a:extLst>
+                  <a:ext uri="{FF2B5EF4-FFF2-40B4-BE49-F238E27FC236}">
+                    <a16:creationId xmlns:a16="http://schemas.microsoft.com/office/drawing/2014/main" id="{F049A7AF-9EDB-C44F-AACC-D036EE0AF6AC}"/>
+                  </a:ext>
+                </a:extLst>
+              </p:cNvPr>
+              <p:cNvCxnSpPr>
+                <a:cxnSpLocks/>
+              </p:cNvCxnSpPr>
+              <p:nvPr/>
+            </p:nvCxnSpPr>
+            <p:spPr>
+              <a:xfrm>
+                <a:off x="2135188" y="3429000"/>
+                <a:ext cx="7952241" cy="0"/>
+              </a:xfrm>
+              <a:prstGeom prst="line">
+                <a:avLst/>
+              </a:prstGeom>
+              <a:ln w="38100">
+                <a:solidFill>
+                  <a:srgbClr val="374785"/>
+                </a:solidFill>
+              </a:ln>
+            </p:spPr>
+            <p:style>
+              <a:lnRef idx="1">
+                <a:schemeClr val="accent1"/>
+              </a:lnRef>
+              <a:fillRef idx="0">
+                <a:schemeClr val="accent1"/>
+              </a:fillRef>
+              <a:effectRef idx="0">
+                <a:schemeClr val="accent1"/>
+              </a:effectRef>
+              <a:fontRef idx="minor">
+                <a:schemeClr val="tx1"/>
+              </a:fontRef>
+            </p:style>
+          </p:cxnSp>
+        </p:grpSp>
+        <mc:AlternateContent xmlns:mc="http://schemas.openxmlformats.org/markup-compatibility/2006" xmlns:a14="http://schemas.microsoft.com/office/drawing/2010/main">
+          <mc:Choice Requires="a14">
+            <p:sp>
+              <p:nvSpPr>
+                <p:cNvPr id="84" name="Textfeld 83">
+                  <a:extLst>
+                    <a:ext uri="{FF2B5EF4-FFF2-40B4-BE49-F238E27FC236}">
+                      <a16:creationId xmlns:a16="http://schemas.microsoft.com/office/drawing/2014/main" id="{CB6BDC23-04A0-CF41-9C3C-3BBAAB06F650}"/>
+                    </a:ext>
+                  </a:extLst>
+                </p:cNvPr>
+                <p:cNvSpPr txBox="1"/>
+                <p:nvPr/>
+              </p:nvSpPr>
+              <p:spPr>
+                <a:xfrm>
+                  <a:off x="5866608" y="3610844"/>
+                  <a:ext cx="428168" cy="307777"/>
+                </a:xfrm>
+                <a:prstGeom prst="rect">
+                  <a:avLst/>
+                </a:prstGeom>
+                <a:noFill/>
+              </p:spPr>
+              <p:txBody>
+                <a:bodyPr wrap="square" rtlCol="0">
+                  <a:spAutoFit/>
+                </a:bodyPr>
+                <a:lstStyle/>
+                <a:p>
+                  <a:pPr algn="ctr"/>
+                  <a14:m>
+                    <m:oMathPara xmlns:m="http://schemas.openxmlformats.org/officeDocument/2006/math">
+                      <m:oMathParaPr>
+                        <m:jc m:val="center"/>
+                      </m:oMathParaPr>
+                      <m:oMath xmlns:m="http://schemas.openxmlformats.org/officeDocument/2006/math">
+                        <m:sSub>
+                          <m:sSubPr>
+                            <m:ctrlPr>
+                              <a:rPr lang="de-DE" sz="1400" b="0" i="1" smtClean="0">
+                                <a:solidFill>
+                                  <a:srgbClr val="8E8D8A"/>
+                                </a:solidFill>
+                                <a:latin typeface="Cambria Math" panose="02040503050406030204" pitchFamily="18" charset="0"/>
+                                <a:ea typeface="Noto Sans Adlam" panose="020B0502040504020204" pitchFamily="34" charset="0"/>
+                                <a:cs typeface="Noto Sans Adlam" panose="020B0502040504020204" pitchFamily="34" charset="0"/>
+                              </a:rPr>
+                            </m:ctrlPr>
+                          </m:sSubPr>
+                          <m:e>
+                            <m:r>
+                              <a:rPr lang="de-DE" sz="1400" b="0" i="1" smtClean="0">
+                                <a:solidFill>
+                                  <a:srgbClr val="8E8D8A"/>
+                                </a:solidFill>
+                                <a:latin typeface="Cambria Math" panose="02040503050406030204" pitchFamily="18" charset="0"/>
+                                <a:ea typeface="Noto Sans Adlam" panose="020B0502040504020204" pitchFamily="34" charset="0"/>
+                                <a:cs typeface="Noto Sans Adlam" panose="020B0502040504020204" pitchFamily="34" charset="0"/>
+                              </a:rPr>
+                              <m:t>𝑚</m:t>
+                            </m:r>
+                            <m:r>
+                              <a:rPr lang="de-DE" sz="1400" b="0" i="1" smtClean="0">
+                                <a:solidFill>
+                                  <a:srgbClr val="8E8D8A"/>
+                                </a:solidFill>
+                                <a:latin typeface="Cambria Math" panose="02040503050406030204" pitchFamily="18" charset="0"/>
+                                <a:ea typeface="Noto Sans Adlam" panose="020B0502040504020204" pitchFamily="34" charset="0"/>
+                                <a:cs typeface="Noto Sans Adlam" panose="020B0502040504020204" pitchFamily="34" charset="0"/>
+                              </a:rPr>
+                              <m:t>=</m:t>
+                            </m:r>
+                            <m:r>
+                              <a:rPr lang="de-DE" sz="1400" b="0" i="1" smtClean="0">
+                                <a:solidFill>
+                                  <a:srgbClr val="8E8D8A"/>
+                                </a:solidFill>
+                                <a:latin typeface="Cambria Math" panose="02040503050406030204" pitchFamily="18" charset="0"/>
+                                <a:ea typeface="Noto Sans Adlam" panose="020B0502040504020204" pitchFamily="34" charset="0"/>
+                                <a:cs typeface="Noto Sans Adlam" panose="020B0502040504020204" pitchFamily="34" charset="0"/>
+                              </a:rPr>
+                              <m:t>𝑞</m:t>
+                            </m:r>
+                          </m:e>
+                          <m:sub>
+                            <m:r>
+                              <a:rPr lang="de-DE" sz="1400" b="0" i="1" smtClean="0">
+                                <a:solidFill>
+                                  <a:srgbClr val="8E8D8A"/>
+                                </a:solidFill>
+                                <a:latin typeface="Cambria Math" panose="02040503050406030204" pitchFamily="18" charset="0"/>
+                                <a:ea typeface="Noto Sans Adlam" panose="020B0502040504020204" pitchFamily="34" charset="0"/>
+                                <a:cs typeface="Noto Sans Adlam" panose="020B0502040504020204" pitchFamily="34" charset="0"/>
+                              </a:rPr>
+                              <m:t>0.5</m:t>
+                            </m:r>
+                          </m:sub>
+                        </m:sSub>
+                      </m:oMath>
+                    </m:oMathPara>
+                  </a14:m>
+                  <a:endParaRPr lang="en-US" sz="1400" dirty="0">
+                    <a:solidFill>
+                      <a:srgbClr val="8E8D8A"/>
+                    </a:solidFill>
+                    <a:latin typeface="Noto Sans Adlam" panose="020B0502040504020204" pitchFamily="34" charset="0"/>
+                    <a:ea typeface="Noto Sans Adlam" panose="020B0502040504020204" pitchFamily="34" charset="0"/>
+                    <a:cs typeface="Noto Sans Adlam" panose="020B0502040504020204" pitchFamily="34" charset="0"/>
+                  </a:endParaRPr>
+                </a:p>
+              </p:txBody>
+            </p:sp>
+          </mc:Choice>
+          <mc:Fallback xmlns="">
+            <p:sp>
+              <p:nvSpPr>
+                <p:cNvPr id="84" name="Textfeld 83">
+                  <a:extLst>
+                    <a:ext uri="{FF2B5EF4-FFF2-40B4-BE49-F238E27FC236}">
+                      <a16:creationId xmlns:a16="http://schemas.microsoft.com/office/drawing/2014/main" id="{CB6BDC23-04A0-CF41-9C3C-3BBAAB06F650}"/>
+                    </a:ext>
+                  </a:extLst>
+                </p:cNvPr>
+                <p:cNvSpPr txBox="1">
+                  <a:spLocks noRot="1" noChangeAspect="1" noMove="1" noResize="1" noEditPoints="1" noAdjustHandles="1" noChangeArrowheads="1" noChangeShapeType="1" noTextEdit="1"/>
+                </p:cNvSpPr>
+                <p:nvPr/>
+              </p:nvSpPr>
+              <p:spPr>
+                <a:xfrm>
+                  <a:off x="5866608" y="3610844"/>
+                  <a:ext cx="428168" cy="307777"/>
+                </a:xfrm>
+                <a:prstGeom prst="rect">
+                  <a:avLst/>
+                </a:prstGeom>
+                <a:blipFill>
+                  <a:blip r:embed="rId15"/>
+                  <a:stretch>
+                    <a:fillRect l="-40000" r="-31429" b="-4000"/>
+                  </a:stretch>
+                </a:blipFill>
+              </p:spPr>
+              <p:txBody>
+                <a:bodyPr/>
+                <a:lstStyle/>
+                <a:p>
+                  <a:r>
+                    <a:rPr lang="en-US">
+                      <a:noFill/>
+                    </a:rPr>
+                    <a:t> </a:t>
+                  </a:r>
+                </a:p>
+              </p:txBody>
+            </p:sp>
+          </mc:Fallback>
+        </mc:AlternateContent>
+        <mc:AlternateContent xmlns:mc="http://schemas.openxmlformats.org/markup-compatibility/2006" xmlns:a14="http://schemas.microsoft.com/office/drawing/2010/main">
+          <mc:Choice Requires="a14">
+            <p:sp>
+              <p:nvSpPr>
+                <p:cNvPr id="85" name="Textfeld 84">
+                  <a:extLst>
+                    <a:ext uri="{FF2B5EF4-FFF2-40B4-BE49-F238E27FC236}">
+                      <a16:creationId xmlns:a16="http://schemas.microsoft.com/office/drawing/2014/main" id="{D98CA4E1-0531-9F4C-A68A-1CDC4D20AF4E}"/>
+                    </a:ext>
+                  </a:extLst>
+                </p:cNvPr>
+                <p:cNvSpPr txBox="1"/>
+                <p:nvPr/>
+              </p:nvSpPr>
+              <p:spPr>
+                <a:xfrm>
+                  <a:off x="3002194" y="3610844"/>
+                  <a:ext cx="428168" cy="307777"/>
+                </a:xfrm>
+                <a:prstGeom prst="rect">
+                  <a:avLst/>
+                </a:prstGeom>
+                <a:noFill/>
+              </p:spPr>
+              <p:txBody>
+                <a:bodyPr wrap="square" rtlCol="0">
+                  <a:spAutoFit/>
+                </a:bodyPr>
+                <a:lstStyle/>
+                <a:p>
+                  <a:pPr algn="ctr"/>
+                  <a14:m>
+                    <m:oMathPara xmlns:m="http://schemas.openxmlformats.org/officeDocument/2006/math">
+                      <m:oMathParaPr>
+                        <m:jc m:val="center"/>
+                      </m:oMathParaPr>
+                      <m:oMath xmlns:m="http://schemas.openxmlformats.org/officeDocument/2006/math">
+                        <m:sSub>
+                          <m:sSubPr>
+                            <m:ctrlPr>
+                              <a:rPr lang="de-DE" sz="1400" b="0" i="1" smtClean="0">
+                                <a:solidFill>
+                                  <a:srgbClr val="8E8D8A"/>
+                                </a:solidFill>
+                                <a:latin typeface="Cambria Math" panose="02040503050406030204" pitchFamily="18" charset="0"/>
+                                <a:ea typeface="Noto Sans Adlam" panose="020B0502040504020204" pitchFamily="34" charset="0"/>
+                                <a:cs typeface="Noto Sans Adlam" panose="020B0502040504020204" pitchFamily="34" charset="0"/>
+                              </a:rPr>
+                            </m:ctrlPr>
+                          </m:sSubPr>
+                          <m:e>
+                            <m:r>
+                              <a:rPr lang="de-DE" sz="1400" b="0" i="1" smtClean="0">
+                                <a:solidFill>
+                                  <a:srgbClr val="8E8D8A"/>
+                                </a:solidFill>
+                                <a:latin typeface="Cambria Math" panose="02040503050406030204" pitchFamily="18" charset="0"/>
+                                <a:ea typeface="Noto Sans Adlam" panose="020B0502040504020204" pitchFamily="34" charset="0"/>
+                                <a:cs typeface="Noto Sans Adlam" panose="020B0502040504020204" pitchFamily="34" charset="0"/>
+                              </a:rPr>
+                              <m:t>𝑞</m:t>
+                            </m:r>
+                          </m:e>
+                          <m:sub>
+                            <m:r>
+                              <a:rPr lang="de-DE" sz="1400" b="0" i="1" smtClean="0">
+                                <a:solidFill>
+                                  <a:srgbClr val="8E8D8A"/>
+                                </a:solidFill>
+                                <a:latin typeface="Cambria Math" panose="02040503050406030204" pitchFamily="18" charset="0"/>
+                                <a:ea typeface="Noto Sans Adlam" panose="020B0502040504020204" pitchFamily="34" charset="0"/>
+                                <a:cs typeface="Noto Sans Adlam" panose="020B0502040504020204" pitchFamily="34" charset="0"/>
+                              </a:rPr>
+                              <m:t>0.3</m:t>
+                            </m:r>
+                          </m:sub>
+                        </m:sSub>
+                      </m:oMath>
+                    </m:oMathPara>
+                  </a14:m>
+                  <a:endParaRPr lang="en-US" sz="1400" dirty="0">
+                    <a:solidFill>
+                      <a:srgbClr val="8E8D8A"/>
+                    </a:solidFill>
+                    <a:latin typeface="Noto Sans Adlam" panose="020B0502040504020204" pitchFamily="34" charset="0"/>
+                    <a:ea typeface="Noto Sans Adlam" panose="020B0502040504020204" pitchFamily="34" charset="0"/>
+                    <a:cs typeface="Noto Sans Adlam" panose="020B0502040504020204" pitchFamily="34" charset="0"/>
+                  </a:endParaRPr>
+                </a:p>
+              </p:txBody>
+            </p:sp>
+          </mc:Choice>
+          <mc:Fallback xmlns="">
+            <p:sp>
+              <p:nvSpPr>
+                <p:cNvPr id="85" name="Textfeld 84">
+                  <a:extLst>
+                    <a:ext uri="{FF2B5EF4-FFF2-40B4-BE49-F238E27FC236}">
+                      <a16:creationId xmlns:a16="http://schemas.microsoft.com/office/drawing/2014/main" id="{D98CA4E1-0531-9F4C-A68A-1CDC4D20AF4E}"/>
+                    </a:ext>
+                  </a:extLst>
+                </p:cNvPr>
+                <p:cNvSpPr txBox="1">
+                  <a:spLocks noRot="1" noChangeAspect="1" noMove="1" noResize="1" noEditPoints="1" noAdjustHandles="1" noChangeArrowheads="1" noChangeShapeType="1" noTextEdit="1"/>
+                </p:cNvSpPr>
+                <p:nvPr/>
+              </p:nvSpPr>
+              <p:spPr>
+                <a:xfrm>
+                  <a:off x="3002194" y="3610844"/>
+                  <a:ext cx="428168" cy="307777"/>
+                </a:xfrm>
+                <a:prstGeom prst="rect">
+                  <a:avLst/>
+                </a:prstGeom>
+                <a:blipFill>
+                  <a:blip r:embed="rId16"/>
+                  <a:stretch>
+                    <a:fillRect l="-2857" b="-4000"/>
+                  </a:stretch>
+                </a:blipFill>
+              </p:spPr>
+              <p:txBody>
+                <a:bodyPr/>
+                <a:lstStyle/>
+                <a:p>
+                  <a:r>
+                    <a:rPr lang="en-US">
+                      <a:noFill/>
+                    </a:rPr>
+                    <a:t> </a:t>
+                  </a:r>
+                </a:p>
+              </p:txBody>
+            </p:sp>
+          </mc:Fallback>
+        </mc:AlternateContent>
+        <mc:AlternateContent xmlns:mc="http://schemas.openxmlformats.org/markup-compatibility/2006" xmlns:a14="http://schemas.microsoft.com/office/drawing/2010/main">
+          <mc:Choice Requires="a14">
+            <p:sp>
+              <p:nvSpPr>
+                <p:cNvPr id="86" name="Textfeld 85">
+                  <a:extLst>
+                    <a:ext uri="{FF2B5EF4-FFF2-40B4-BE49-F238E27FC236}">
+                      <a16:creationId xmlns:a16="http://schemas.microsoft.com/office/drawing/2014/main" id="{78A714B0-7DA5-CB4A-B166-959A1C2EA98E}"/>
+                    </a:ext>
+                  </a:extLst>
+                </p:cNvPr>
+                <p:cNvSpPr txBox="1"/>
+                <p:nvPr/>
+              </p:nvSpPr>
+              <p:spPr>
+                <a:xfrm>
+                  <a:off x="4449710" y="3610844"/>
+                  <a:ext cx="428168" cy="307777"/>
+                </a:xfrm>
+                <a:prstGeom prst="rect">
+                  <a:avLst/>
+                </a:prstGeom>
+                <a:noFill/>
+              </p:spPr>
+              <p:txBody>
+                <a:bodyPr wrap="square" rtlCol="0">
+                  <a:spAutoFit/>
+                </a:bodyPr>
+                <a:lstStyle/>
+                <a:p>
+                  <a:pPr algn="ctr"/>
+                  <a14:m>
+                    <m:oMathPara xmlns:m="http://schemas.openxmlformats.org/officeDocument/2006/math">
+                      <m:oMathParaPr>
+                        <m:jc m:val="center"/>
+                      </m:oMathParaPr>
+                      <m:oMath xmlns:m="http://schemas.openxmlformats.org/officeDocument/2006/math">
+                        <m:sSub>
+                          <m:sSubPr>
+                            <m:ctrlPr>
+                              <a:rPr lang="de-DE" sz="1400" b="0" i="1" smtClean="0">
+                                <a:solidFill>
+                                  <a:srgbClr val="8E8D8A"/>
+                                </a:solidFill>
+                                <a:latin typeface="Cambria Math" panose="02040503050406030204" pitchFamily="18" charset="0"/>
+                                <a:ea typeface="Noto Sans Adlam" panose="020B0502040504020204" pitchFamily="34" charset="0"/>
+                                <a:cs typeface="Noto Sans Adlam" panose="020B0502040504020204" pitchFamily="34" charset="0"/>
+                              </a:rPr>
+                            </m:ctrlPr>
+                          </m:sSubPr>
+                          <m:e>
+                            <m:r>
+                              <a:rPr lang="de-DE" sz="1400" b="0" i="1" smtClean="0">
+                                <a:solidFill>
+                                  <a:srgbClr val="8E8D8A"/>
+                                </a:solidFill>
+                                <a:latin typeface="Cambria Math" panose="02040503050406030204" pitchFamily="18" charset="0"/>
+                                <a:ea typeface="Noto Sans Adlam" panose="020B0502040504020204" pitchFamily="34" charset="0"/>
+                                <a:cs typeface="Noto Sans Adlam" panose="020B0502040504020204" pitchFamily="34" charset="0"/>
+                              </a:rPr>
+                              <m:t>𝑞</m:t>
+                            </m:r>
+                          </m:e>
+                          <m:sub>
+                            <m:r>
+                              <a:rPr lang="de-DE" sz="1400" b="0" i="1" smtClean="0">
+                                <a:solidFill>
+                                  <a:srgbClr val="8E8D8A"/>
+                                </a:solidFill>
+                                <a:latin typeface="Cambria Math" panose="02040503050406030204" pitchFamily="18" charset="0"/>
+                                <a:ea typeface="Noto Sans Adlam" panose="020B0502040504020204" pitchFamily="34" charset="0"/>
+                                <a:cs typeface="Noto Sans Adlam" panose="020B0502040504020204" pitchFamily="34" charset="0"/>
+                              </a:rPr>
+                              <m:t>0.4</m:t>
+                            </m:r>
+                          </m:sub>
+                        </m:sSub>
+                      </m:oMath>
+                    </m:oMathPara>
+                  </a14:m>
+                  <a:endParaRPr lang="en-US" sz="1400" dirty="0">
+                    <a:solidFill>
+                      <a:srgbClr val="8E8D8A"/>
+                    </a:solidFill>
+                    <a:latin typeface="Noto Sans Adlam" panose="020B0502040504020204" pitchFamily="34" charset="0"/>
+                    <a:ea typeface="Noto Sans Adlam" panose="020B0502040504020204" pitchFamily="34" charset="0"/>
+                    <a:cs typeface="Noto Sans Adlam" panose="020B0502040504020204" pitchFamily="34" charset="0"/>
+                  </a:endParaRPr>
+                </a:p>
+              </p:txBody>
+            </p:sp>
+          </mc:Choice>
+          <mc:Fallback xmlns="">
+            <p:sp>
+              <p:nvSpPr>
+                <p:cNvPr id="86" name="Textfeld 85">
+                  <a:extLst>
+                    <a:ext uri="{FF2B5EF4-FFF2-40B4-BE49-F238E27FC236}">
+                      <a16:creationId xmlns:a16="http://schemas.microsoft.com/office/drawing/2014/main" id="{78A714B0-7DA5-CB4A-B166-959A1C2EA98E}"/>
+                    </a:ext>
+                  </a:extLst>
+                </p:cNvPr>
+                <p:cNvSpPr txBox="1">
+                  <a:spLocks noRot="1" noChangeAspect="1" noMove="1" noResize="1" noEditPoints="1" noAdjustHandles="1" noChangeArrowheads="1" noChangeShapeType="1" noTextEdit="1"/>
+                </p:cNvSpPr>
+                <p:nvPr/>
+              </p:nvSpPr>
+              <p:spPr>
+                <a:xfrm>
+                  <a:off x="4449710" y="3610844"/>
+                  <a:ext cx="428168" cy="307777"/>
+                </a:xfrm>
+                <a:prstGeom prst="rect">
+                  <a:avLst/>
+                </a:prstGeom>
+                <a:blipFill>
+                  <a:blip r:embed="rId17"/>
+                  <a:stretch>
+                    <a:fillRect l="-2941" b="-4000"/>
+                  </a:stretch>
+                </a:blipFill>
+              </p:spPr>
+              <p:txBody>
+                <a:bodyPr/>
+                <a:lstStyle/>
+                <a:p>
+                  <a:r>
+                    <a:rPr lang="en-US">
+                      <a:noFill/>
+                    </a:rPr>
+                    <a:t> </a:t>
+                  </a:r>
+                </a:p>
+              </p:txBody>
+            </p:sp>
+          </mc:Fallback>
+        </mc:AlternateContent>
+        <mc:AlternateContent xmlns:mc="http://schemas.openxmlformats.org/markup-compatibility/2006" xmlns:a14="http://schemas.microsoft.com/office/drawing/2010/main">
+          <mc:Choice Requires="a14">
+            <p:sp>
+              <p:nvSpPr>
+                <p:cNvPr id="87" name="Textfeld 86">
+                  <a:extLst>
+                    <a:ext uri="{FF2B5EF4-FFF2-40B4-BE49-F238E27FC236}">
+                      <a16:creationId xmlns:a16="http://schemas.microsoft.com/office/drawing/2014/main" id="{746520C5-370D-1A43-9182-9BE04A135AA3}"/>
+                    </a:ext>
+                  </a:extLst>
+                </p:cNvPr>
+                <p:cNvSpPr txBox="1"/>
+                <p:nvPr/>
+              </p:nvSpPr>
+              <p:spPr>
+                <a:xfrm>
+                  <a:off x="7314123" y="3610844"/>
+                  <a:ext cx="428168" cy="307777"/>
+                </a:xfrm>
+                <a:prstGeom prst="rect">
+                  <a:avLst/>
+                </a:prstGeom>
+                <a:noFill/>
+              </p:spPr>
+              <p:txBody>
+                <a:bodyPr wrap="square" rtlCol="0">
+                  <a:spAutoFit/>
+                </a:bodyPr>
+                <a:lstStyle/>
+                <a:p>
+                  <a:pPr algn="ctr"/>
+                  <a14:m>
+                    <m:oMathPara xmlns:m="http://schemas.openxmlformats.org/officeDocument/2006/math">
+                      <m:oMathParaPr>
+                        <m:jc m:val="center"/>
+                      </m:oMathParaPr>
+                      <m:oMath xmlns:m="http://schemas.openxmlformats.org/officeDocument/2006/math">
+                        <m:sSub>
+                          <m:sSubPr>
+                            <m:ctrlPr>
+                              <a:rPr lang="de-DE" sz="1400" b="0" i="1" smtClean="0">
+                                <a:solidFill>
+                                  <a:srgbClr val="8E8D8A"/>
+                                </a:solidFill>
+                                <a:latin typeface="Cambria Math" panose="02040503050406030204" pitchFamily="18" charset="0"/>
+                                <a:ea typeface="Noto Sans Adlam" panose="020B0502040504020204" pitchFamily="34" charset="0"/>
+                                <a:cs typeface="Noto Sans Adlam" panose="020B0502040504020204" pitchFamily="34" charset="0"/>
+                              </a:rPr>
+                            </m:ctrlPr>
+                          </m:sSubPr>
+                          <m:e>
+                            <m:r>
+                              <a:rPr lang="de-DE" sz="1400" b="0" i="1" smtClean="0">
+                                <a:solidFill>
+                                  <a:srgbClr val="8E8D8A"/>
+                                </a:solidFill>
+                                <a:latin typeface="Cambria Math" panose="02040503050406030204" pitchFamily="18" charset="0"/>
+                                <a:ea typeface="Noto Sans Adlam" panose="020B0502040504020204" pitchFamily="34" charset="0"/>
+                                <a:cs typeface="Noto Sans Adlam" panose="020B0502040504020204" pitchFamily="34" charset="0"/>
+                              </a:rPr>
+                              <m:t>𝑞</m:t>
+                            </m:r>
+                          </m:e>
+                          <m:sub>
+                            <m:r>
+                              <a:rPr lang="de-DE" sz="1400" b="0" i="1" smtClean="0">
+                                <a:solidFill>
+                                  <a:srgbClr val="8E8D8A"/>
+                                </a:solidFill>
+                                <a:latin typeface="Cambria Math" panose="02040503050406030204" pitchFamily="18" charset="0"/>
+                                <a:ea typeface="Noto Sans Adlam" panose="020B0502040504020204" pitchFamily="34" charset="0"/>
+                                <a:cs typeface="Noto Sans Adlam" panose="020B0502040504020204" pitchFamily="34" charset="0"/>
+                              </a:rPr>
+                              <m:t>0.6</m:t>
+                            </m:r>
+                          </m:sub>
+                        </m:sSub>
+                      </m:oMath>
+                    </m:oMathPara>
+                  </a14:m>
+                  <a:endParaRPr lang="en-US" sz="1400" dirty="0">
+                    <a:solidFill>
+                      <a:srgbClr val="8E8D8A"/>
+                    </a:solidFill>
+                    <a:latin typeface="Noto Sans Adlam" panose="020B0502040504020204" pitchFamily="34" charset="0"/>
+                    <a:ea typeface="Noto Sans Adlam" panose="020B0502040504020204" pitchFamily="34" charset="0"/>
+                    <a:cs typeface="Noto Sans Adlam" panose="020B0502040504020204" pitchFamily="34" charset="0"/>
+                  </a:endParaRPr>
+                </a:p>
+              </p:txBody>
+            </p:sp>
+          </mc:Choice>
+          <mc:Fallback xmlns="">
+            <p:sp>
+              <p:nvSpPr>
+                <p:cNvPr id="87" name="Textfeld 86">
+                  <a:extLst>
+                    <a:ext uri="{FF2B5EF4-FFF2-40B4-BE49-F238E27FC236}">
+                      <a16:creationId xmlns:a16="http://schemas.microsoft.com/office/drawing/2014/main" id="{746520C5-370D-1A43-9182-9BE04A135AA3}"/>
+                    </a:ext>
+                  </a:extLst>
+                </p:cNvPr>
+                <p:cNvSpPr txBox="1">
+                  <a:spLocks noRot="1" noChangeAspect="1" noMove="1" noResize="1" noEditPoints="1" noAdjustHandles="1" noChangeArrowheads="1" noChangeShapeType="1" noTextEdit="1"/>
+                </p:cNvSpPr>
+                <p:nvPr/>
+              </p:nvSpPr>
+              <p:spPr>
+                <a:xfrm>
+                  <a:off x="7314123" y="3610844"/>
+                  <a:ext cx="428168" cy="307777"/>
+                </a:xfrm>
+                <a:prstGeom prst="rect">
+                  <a:avLst/>
+                </a:prstGeom>
+                <a:blipFill>
+                  <a:blip r:embed="rId18"/>
+                  <a:stretch>
+                    <a:fillRect l="-2941" b="-4000"/>
+                  </a:stretch>
+                </a:blipFill>
+              </p:spPr>
+              <p:txBody>
+                <a:bodyPr/>
+                <a:lstStyle/>
+                <a:p>
+                  <a:r>
+                    <a:rPr lang="en-US">
+                      <a:noFill/>
+                    </a:rPr>
+                    <a:t> </a:t>
+                  </a:r>
+                </a:p>
+              </p:txBody>
+            </p:sp>
+          </mc:Fallback>
+        </mc:AlternateContent>
+        <mc:AlternateContent xmlns:mc="http://schemas.openxmlformats.org/markup-compatibility/2006" xmlns:a14="http://schemas.microsoft.com/office/drawing/2010/main">
+          <mc:Choice Requires="a14">
+            <p:sp>
+              <p:nvSpPr>
+                <p:cNvPr id="88" name="Textfeld 87">
+                  <a:extLst>
+                    <a:ext uri="{FF2B5EF4-FFF2-40B4-BE49-F238E27FC236}">
+                      <a16:creationId xmlns:a16="http://schemas.microsoft.com/office/drawing/2014/main" id="{64A2D72B-DC55-884D-856E-EA7B5179ABC2}"/>
+                    </a:ext>
+                  </a:extLst>
+                </p:cNvPr>
+                <p:cNvSpPr txBox="1"/>
+                <p:nvPr/>
+              </p:nvSpPr>
+              <p:spPr>
+                <a:xfrm>
+                  <a:off x="8786248" y="3610844"/>
+                  <a:ext cx="428168" cy="307777"/>
+                </a:xfrm>
+                <a:prstGeom prst="rect">
+                  <a:avLst/>
+                </a:prstGeom>
+                <a:noFill/>
+              </p:spPr>
+              <p:txBody>
+                <a:bodyPr wrap="square" rtlCol="0">
+                  <a:spAutoFit/>
+                </a:bodyPr>
+                <a:lstStyle/>
+                <a:p>
+                  <a:pPr algn="ctr"/>
+                  <a14:m>
+                    <m:oMathPara xmlns:m="http://schemas.openxmlformats.org/officeDocument/2006/math">
+                      <m:oMathParaPr>
+                        <m:jc m:val="center"/>
+                      </m:oMathParaPr>
+                      <m:oMath xmlns:m="http://schemas.openxmlformats.org/officeDocument/2006/math">
+                        <m:sSub>
+                          <m:sSubPr>
+                            <m:ctrlPr>
+                              <a:rPr lang="de-DE" sz="1400" b="0" i="1" smtClean="0">
+                                <a:solidFill>
+                                  <a:srgbClr val="8E8D8A"/>
+                                </a:solidFill>
+                                <a:latin typeface="Cambria Math" panose="02040503050406030204" pitchFamily="18" charset="0"/>
+                                <a:ea typeface="Noto Sans Adlam" panose="020B0502040504020204" pitchFamily="34" charset="0"/>
+                                <a:cs typeface="Noto Sans Adlam" panose="020B0502040504020204" pitchFamily="34" charset="0"/>
+                              </a:rPr>
+                            </m:ctrlPr>
+                          </m:sSubPr>
+                          <m:e>
+                            <m:r>
+                              <a:rPr lang="de-DE" sz="1400" b="0" i="1" smtClean="0">
+                                <a:solidFill>
+                                  <a:srgbClr val="8E8D8A"/>
+                                </a:solidFill>
+                                <a:latin typeface="Cambria Math" panose="02040503050406030204" pitchFamily="18" charset="0"/>
+                                <a:ea typeface="Noto Sans Adlam" panose="020B0502040504020204" pitchFamily="34" charset="0"/>
+                                <a:cs typeface="Noto Sans Adlam" panose="020B0502040504020204" pitchFamily="34" charset="0"/>
+                              </a:rPr>
+                              <m:t>𝑞</m:t>
+                            </m:r>
+                          </m:e>
+                          <m:sub>
+                            <m:r>
+                              <a:rPr lang="de-DE" sz="1400" b="0" i="1" smtClean="0">
+                                <a:solidFill>
+                                  <a:srgbClr val="8E8D8A"/>
+                                </a:solidFill>
+                                <a:latin typeface="Cambria Math" panose="02040503050406030204" pitchFamily="18" charset="0"/>
+                                <a:ea typeface="Noto Sans Adlam" panose="020B0502040504020204" pitchFamily="34" charset="0"/>
+                                <a:cs typeface="Noto Sans Adlam" panose="020B0502040504020204" pitchFamily="34" charset="0"/>
+                              </a:rPr>
+                              <m:t>0.7</m:t>
+                            </m:r>
+                          </m:sub>
+                        </m:sSub>
+                      </m:oMath>
+                    </m:oMathPara>
+                  </a14:m>
+                  <a:endParaRPr lang="en-US" sz="1400" dirty="0">
+                    <a:solidFill>
+                      <a:srgbClr val="8E8D8A"/>
+                    </a:solidFill>
+                    <a:latin typeface="Noto Sans Adlam" panose="020B0502040504020204" pitchFamily="34" charset="0"/>
+                    <a:ea typeface="Noto Sans Adlam" panose="020B0502040504020204" pitchFamily="34" charset="0"/>
+                    <a:cs typeface="Noto Sans Adlam" panose="020B0502040504020204" pitchFamily="34" charset="0"/>
+                  </a:endParaRPr>
+                </a:p>
+              </p:txBody>
+            </p:sp>
+          </mc:Choice>
+          <mc:Fallback xmlns="">
+            <p:sp>
+              <p:nvSpPr>
+                <p:cNvPr id="88" name="Textfeld 87">
+                  <a:extLst>
+                    <a:ext uri="{FF2B5EF4-FFF2-40B4-BE49-F238E27FC236}">
+                      <a16:creationId xmlns:a16="http://schemas.microsoft.com/office/drawing/2014/main" id="{64A2D72B-DC55-884D-856E-EA7B5179ABC2}"/>
+                    </a:ext>
+                  </a:extLst>
+                </p:cNvPr>
+                <p:cNvSpPr txBox="1">
+                  <a:spLocks noRot="1" noChangeAspect="1" noMove="1" noResize="1" noEditPoints="1" noAdjustHandles="1" noChangeArrowheads="1" noChangeShapeType="1" noTextEdit="1"/>
+                </p:cNvSpPr>
+                <p:nvPr/>
+              </p:nvSpPr>
+              <p:spPr>
+                <a:xfrm>
+                  <a:off x="8786248" y="3610844"/>
+                  <a:ext cx="428168" cy="307777"/>
+                </a:xfrm>
+                <a:prstGeom prst="rect">
+                  <a:avLst/>
+                </a:prstGeom>
+                <a:blipFill>
+                  <a:blip r:embed="rId19"/>
+                  <a:stretch>
+                    <a:fillRect l="-2857" b="-4000"/>
+                  </a:stretch>
+                </a:blipFill>
+              </p:spPr>
+              <p:txBody>
+                <a:bodyPr/>
+                <a:lstStyle/>
+                <a:p>
+                  <a:r>
+                    <a:rPr lang="en-US">
+                      <a:noFill/>
+                    </a:rPr>
+                    <a:t> </a:t>
+                  </a:r>
+                </a:p>
+              </p:txBody>
+            </p:sp>
+          </mc:Fallback>
+        </mc:AlternateContent>
+        <p:grpSp>
+          <p:nvGrpSpPr>
+            <p:cNvPr id="89" name="Gruppieren 88">
+              <a:extLst>
+                <a:ext uri="{FF2B5EF4-FFF2-40B4-BE49-F238E27FC236}">
+                  <a16:creationId xmlns:a16="http://schemas.microsoft.com/office/drawing/2014/main" id="{6E751D85-DD41-C74A-912B-313B5DA97712}"/>
+                </a:ext>
+              </a:extLst>
+            </p:cNvPr>
+            <p:cNvGrpSpPr/>
+            <p:nvPr/>
+          </p:nvGrpSpPr>
+          <p:grpSpPr>
+            <a:xfrm>
+              <a:off x="4633176" y="3926291"/>
+              <a:ext cx="2925649" cy="615543"/>
+              <a:chOff x="6096001" y="4100463"/>
+              <a:chExt cx="1462824" cy="615543"/>
+            </a:xfrm>
+          </p:grpSpPr>
+          <p:sp>
+            <p:nvSpPr>
+              <p:cNvPr id="99" name="Geschweifte Klammer links 98">
+                <a:extLst>
+                  <a:ext uri="{FF2B5EF4-FFF2-40B4-BE49-F238E27FC236}">
+                    <a16:creationId xmlns:a16="http://schemas.microsoft.com/office/drawing/2014/main" id="{D453D045-A4D2-2944-ABF1-8F13913E1571}"/>
+                  </a:ext>
+                </a:extLst>
+              </p:cNvPr>
+              <p:cNvSpPr/>
+              <p:nvPr/>
+            </p:nvSpPr>
+            <p:spPr>
+              <a:xfrm rot="16200000">
+                <a:off x="6673530" y="3522934"/>
+                <a:ext cx="307765" cy="1462824"/>
+              </a:xfrm>
+              <a:prstGeom prst="leftBrace">
+                <a:avLst/>
+              </a:prstGeom>
+              <a:ln w="38100">
+                <a:solidFill>
+                  <a:srgbClr val="F34213"/>
+                </a:solidFill>
+              </a:ln>
+            </p:spPr>
+            <p:style>
+              <a:lnRef idx="1">
+                <a:schemeClr val="accent1"/>
+              </a:lnRef>
+              <a:fillRef idx="0">
+                <a:schemeClr val="accent1"/>
+              </a:fillRef>
+              <a:effectRef idx="0">
+                <a:schemeClr val="accent1"/>
+              </a:effectRef>
+              <a:fontRef idx="minor">
+                <a:schemeClr val="tx1"/>
+              </a:fontRef>
+            </p:style>
+            <p:txBody>
+              <a:bodyPr rtlCol="0" anchor="ctr"/>
+              <a:lstStyle/>
+              <a:p>
+                <a:pPr algn="ctr"/>
+                <a:endParaRPr lang="en-US"/>
+              </a:p>
+            </p:txBody>
+          </p:sp>
+          <mc:AlternateContent xmlns:mc="http://schemas.openxmlformats.org/markup-compatibility/2006" xmlns:a14="http://schemas.microsoft.com/office/drawing/2010/main">
+            <mc:Choice Requires="a14">
+              <p:sp>
+                <p:nvSpPr>
+                  <p:cNvPr id="100" name="Textfeld 99">
+                    <a:extLst>
+                      <a:ext uri="{FF2B5EF4-FFF2-40B4-BE49-F238E27FC236}">
+                        <a16:creationId xmlns:a16="http://schemas.microsoft.com/office/drawing/2014/main" id="{AE954CE3-29EC-7C4E-8431-EF679055A1CF}"/>
+                      </a:ext>
+                    </a:extLst>
+                  </p:cNvPr>
+                  <p:cNvSpPr txBox="1"/>
+                  <p:nvPr/>
+                </p:nvSpPr>
+                <p:spPr>
+                  <a:xfrm>
+                    <a:off x="6613329" y="4408229"/>
+                    <a:ext cx="428168" cy="307777"/>
+                  </a:xfrm>
+                  <a:prstGeom prst="rect">
+                    <a:avLst/>
+                  </a:prstGeom>
+                  <a:noFill/>
+                </p:spPr>
+                <p:txBody>
+                  <a:bodyPr wrap="square" rtlCol="0">
+                    <a:spAutoFit/>
+                  </a:bodyPr>
+                  <a:lstStyle/>
+                  <a:p>
+                    <a:pPr algn="ctr"/>
+                    <a14:m>
+                      <m:oMathPara xmlns:m="http://schemas.openxmlformats.org/officeDocument/2006/math">
+                        <m:oMathParaPr>
+                          <m:jc m:val="center"/>
+                        </m:oMathParaPr>
+                        <m:oMath xmlns:m="http://schemas.openxmlformats.org/officeDocument/2006/math">
+                          <m:sSub>
+                            <m:sSubPr>
+                              <m:ctrlPr>
+                                <a:rPr lang="de-DE" sz="1400" b="0" i="1" smtClean="0">
+                                  <a:ln w="9525">
+                                    <a:solidFill>
+                                      <a:srgbClr val="F34213"/>
+                                    </a:solidFill>
+                                  </a:ln>
+                                  <a:solidFill>
+                                    <a:srgbClr val="8E8D8A"/>
+                                  </a:solidFill>
+                                  <a:latin typeface="Cambria Math" panose="02040503050406030204" pitchFamily="18" charset="0"/>
+                                  <a:ea typeface="Noto Sans Adlam" panose="020B0502040504020204" pitchFamily="34" charset="0"/>
+                                  <a:cs typeface="Noto Sans Adlam" panose="020B0502040504020204" pitchFamily="34" charset="0"/>
+                                </a:rPr>
+                              </m:ctrlPr>
+                            </m:sSubPr>
+                            <m:e>
+                              <m:r>
+                                <a:rPr lang="de-DE" sz="1400" b="0" i="1" smtClean="0">
+                                  <a:ln w="9525">
+                                    <a:solidFill>
+                                      <a:srgbClr val="F34213"/>
+                                    </a:solidFill>
+                                  </a:ln>
+                                  <a:solidFill>
+                                    <a:srgbClr val="8E8D8A"/>
+                                  </a:solidFill>
+                                  <a:latin typeface="Cambria Math" panose="02040503050406030204" pitchFamily="18" charset="0"/>
+                                  <a:ea typeface="Noto Sans Adlam" panose="020B0502040504020204" pitchFamily="34" charset="0"/>
+                                  <a:cs typeface="Noto Sans Adlam" panose="020B0502040504020204" pitchFamily="34" charset="0"/>
+                                </a:rPr>
+                                <m:t>𝑞𝑠</m:t>
+                              </m:r>
+                            </m:e>
+                            <m:sub>
+                              <m:r>
+                                <a:rPr lang="de-DE" sz="1400" b="0" i="1" smtClean="0">
+                                  <a:ln w="9525">
+                                    <a:solidFill>
+                                      <a:srgbClr val="F34213"/>
+                                    </a:solidFill>
+                                  </a:ln>
+                                  <a:solidFill>
+                                    <a:srgbClr val="8E8D8A"/>
+                                  </a:solidFill>
+                                  <a:latin typeface="Cambria Math" panose="02040503050406030204" pitchFamily="18" charset="0"/>
+                                  <a:ea typeface="Noto Sans Adlam" panose="020B0502040504020204" pitchFamily="34" charset="0"/>
+                                  <a:cs typeface="Noto Sans Adlam" panose="020B0502040504020204" pitchFamily="34" charset="0"/>
+                                </a:rPr>
+                                <m:t>0.6</m:t>
+                              </m:r>
+                            </m:sub>
+                          </m:sSub>
+                        </m:oMath>
+                      </m:oMathPara>
+                    </a14:m>
+                    <a:endParaRPr lang="en-US" sz="1400" dirty="0">
+                      <a:ln w="9525">
+                        <a:solidFill>
+                          <a:srgbClr val="F34213"/>
+                        </a:solidFill>
+                      </a:ln>
+                      <a:solidFill>
+                        <a:srgbClr val="8E8D8A"/>
+                      </a:solidFill>
+                      <a:latin typeface="Noto Sans Adlam" panose="020B0502040504020204" pitchFamily="34" charset="0"/>
+                      <a:ea typeface="Noto Sans Adlam" panose="020B0502040504020204" pitchFamily="34" charset="0"/>
+                      <a:cs typeface="Noto Sans Adlam" panose="020B0502040504020204" pitchFamily="34" charset="0"/>
+                    </a:endParaRPr>
+                  </a:p>
+                </p:txBody>
+              </p:sp>
+            </mc:Choice>
+            <mc:Fallback xmlns="">
+              <p:sp>
+                <p:nvSpPr>
+                  <p:cNvPr id="100" name="Textfeld 99">
+                    <a:extLst>
+                      <a:ext uri="{FF2B5EF4-FFF2-40B4-BE49-F238E27FC236}">
+                        <a16:creationId xmlns:a16="http://schemas.microsoft.com/office/drawing/2014/main" id="{AE954CE3-29EC-7C4E-8431-EF679055A1CF}"/>
+                      </a:ext>
+                    </a:extLst>
+                  </p:cNvPr>
+                  <p:cNvSpPr txBox="1">
+                    <a:spLocks noRot="1" noChangeAspect="1" noMove="1" noResize="1" noEditPoints="1" noAdjustHandles="1" noChangeArrowheads="1" noChangeShapeType="1" noTextEdit="1"/>
+                  </p:cNvSpPr>
+                  <p:nvPr/>
+                </p:nvSpPr>
+                <p:spPr>
+                  <a:xfrm>
+                    <a:off x="6613329" y="4408229"/>
+                    <a:ext cx="428168" cy="307777"/>
+                  </a:xfrm>
+                  <a:prstGeom prst="rect">
+                    <a:avLst/>
+                  </a:prstGeom>
+                  <a:blipFill>
+                    <a:blip r:embed="rId20"/>
+                    <a:stretch>
+                      <a:fillRect/>
+                    </a:stretch>
+                  </a:blipFill>
+                </p:spPr>
+                <p:txBody>
+                  <a:bodyPr/>
+                  <a:lstStyle/>
+                  <a:p>
+                    <a:r>
+                      <a:rPr lang="en-US">
+                        <a:noFill/>
+                      </a:rPr>
+                      <a:t> </a:t>
+                    </a:r>
+                  </a:p>
+                </p:txBody>
+              </p:sp>
+            </mc:Fallback>
+          </mc:AlternateContent>
+        </p:grpSp>
+        <p:grpSp>
+          <p:nvGrpSpPr>
+            <p:cNvPr id="90" name="Gruppieren 89">
+              <a:extLst>
+                <a:ext uri="{FF2B5EF4-FFF2-40B4-BE49-F238E27FC236}">
+                  <a16:creationId xmlns:a16="http://schemas.microsoft.com/office/drawing/2014/main" id="{06186061-F1A7-3C46-8E57-54A6C4402E33}"/>
+                </a:ext>
+              </a:extLst>
+            </p:cNvPr>
+            <p:cNvGrpSpPr/>
+            <p:nvPr/>
+          </p:nvGrpSpPr>
+          <p:grpSpPr>
+            <a:xfrm>
+              <a:off x="3216275" y="4426553"/>
+              <a:ext cx="5759450" cy="615543"/>
+              <a:chOff x="4633177" y="4100463"/>
+              <a:chExt cx="1462824" cy="615543"/>
+            </a:xfrm>
+          </p:grpSpPr>
+          <p:sp>
+            <p:nvSpPr>
+              <p:cNvPr id="97" name="Geschweifte Klammer links 96">
+                <a:extLst>
+                  <a:ext uri="{FF2B5EF4-FFF2-40B4-BE49-F238E27FC236}">
+                    <a16:creationId xmlns:a16="http://schemas.microsoft.com/office/drawing/2014/main" id="{EB8A7652-1CE0-034B-A77E-8921D3DFFB53}"/>
+                  </a:ext>
+                </a:extLst>
+              </p:cNvPr>
+              <p:cNvSpPr/>
+              <p:nvPr/>
+            </p:nvSpPr>
+            <p:spPr>
+              <a:xfrm rot="16200000">
+                <a:off x="5210706" y="3522934"/>
+                <a:ext cx="307765" cy="1462824"/>
+              </a:xfrm>
+              <a:prstGeom prst="leftBrace">
+                <a:avLst/>
+              </a:prstGeom>
+              <a:ln w="38100">
+                <a:solidFill>
+                  <a:srgbClr val="F34213"/>
+                </a:solidFill>
+              </a:ln>
+            </p:spPr>
+            <p:style>
+              <a:lnRef idx="1">
+                <a:schemeClr val="accent1"/>
+              </a:lnRef>
+              <a:fillRef idx="0">
+                <a:schemeClr val="accent1"/>
+              </a:fillRef>
+              <a:effectRef idx="0">
+                <a:schemeClr val="accent1"/>
+              </a:effectRef>
+              <a:fontRef idx="minor">
+                <a:schemeClr val="tx1"/>
+              </a:fontRef>
+            </p:style>
+            <p:txBody>
+              <a:bodyPr rtlCol="0" anchor="ctr"/>
+              <a:lstStyle/>
+              <a:p>
+                <a:pPr algn="ctr"/>
+                <a:endParaRPr lang="en-US"/>
+              </a:p>
+            </p:txBody>
+          </p:sp>
+          <mc:AlternateContent xmlns:mc="http://schemas.openxmlformats.org/markup-compatibility/2006" xmlns:a14="http://schemas.microsoft.com/office/drawing/2010/main">
+            <mc:Choice Requires="a14">
+              <p:sp>
+                <p:nvSpPr>
+                  <p:cNvPr id="98" name="Textfeld 97">
+                    <a:extLst>
+                      <a:ext uri="{FF2B5EF4-FFF2-40B4-BE49-F238E27FC236}">
+                        <a16:creationId xmlns:a16="http://schemas.microsoft.com/office/drawing/2014/main" id="{25305DA6-BF10-6143-93AE-DDD54F289B0A}"/>
+                      </a:ext>
+                    </a:extLst>
+                  </p:cNvPr>
+                  <p:cNvSpPr txBox="1"/>
+                  <p:nvPr/>
+                </p:nvSpPr>
+                <p:spPr>
+                  <a:xfrm>
+                    <a:off x="5150504" y="4408229"/>
+                    <a:ext cx="428168" cy="307777"/>
+                  </a:xfrm>
+                  <a:prstGeom prst="rect">
+                    <a:avLst/>
+                  </a:prstGeom>
+                  <a:noFill/>
+                </p:spPr>
+                <p:txBody>
+                  <a:bodyPr wrap="square" rtlCol="0">
+                    <a:spAutoFit/>
+                  </a:bodyPr>
+                  <a:lstStyle/>
+                  <a:p>
+                    <a:pPr algn="ctr"/>
+                    <a14:m>
+                      <m:oMathPara xmlns:m="http://schemas.openxmlformats.org/officeDocument/2006/math">
+                        <m:oMathParaPr>
+                          <m:jc m:val="center"/>
+                        </m:oMathParaPr>
+                        <m:oMath xmlns:m="http://schemas.openxmlformats.org/officeDocument/2006/math">
+                          <m:sSub>
+                            <m:sSubPr>
+                              <m:ctrlPr>
+                                <a:rPr lang="de-DE" sz="1400" b="0" i="1" smtClean="0">
+                                  <a:ln>
+                                    <a:solidFill>
+                                      <a:srgbClr val="F34213"/>
+                                    </a:solidFill>
+                                  </a:ln>
+                                  <a:solidFill>
+                                    <a:srgbClr val="8E8D8A"/>
+                                  </a:solidFill>
+                                  <a:latin typeface="Cambria Math" panose="02040503050406030204" pitchFamily="18" charset="0"/>
+                                  <a:ea typeface="Noto Sans Adlam" panose="020B0502040504020204" pitchFamily="34" charset="0"/>
+                                  <a:cs typeface="Noto Sans Adlam" panose="020B0502040504020204" pitchFamily="34" charset="0"/>
+                                </a:rPr>
+                              </m:ctrlPr>
+                            </m:sSubPr>
+                            <m:e>
+                              <m:r>
+                                <a:rPr lang="de-DE" sz="1400" b="0" i="1" smtClean="0">
+                                  <a:ln>
+                                    <a:solidFill>
+                                      <a:srgbClr val="F34213"/>
+                                    </a:solidFill>
+                                  </a:ln>
+                                  <a:solidFill>
+                                    <a:srgbClr val="8E8D8A"/>
+                                  </a:solidFill>
+                                  <a:latin typeface="Cambria Math" panose="02040503050406030204" pitchFamily="18" charset="0"/>
+                                  <a:ea typeface="Noto Sans Adlam" panose="020B0502040504020204" pitchFamily="34" charset="0"/>
+                                  <a:cs typeface="Noto Sans Adlam" panose="020B0502040504020204" pitchFamily="34" charset="0"/>
+                                </a:rPr>
+                                <m:t>𝑞𝑠</m:t>
+                              </m:r>
+                            </m:e>
+                            <m:sub>
+                              <m:r>
+                                <a:rPr lang="de-DE" sz="1400" b="0" i="1" smtClean="0">
+                                  <a:ln>
+                                    <a:solidFill>
+                                      <a:srgbClr val="F34213"/>
+                                    </a:solidFill>
+                                  </a:ln>
+                                  <a:solidFill>
+                                    <a:srgbClr val="8E8D8A"/>
+                                  </a:solidFill>
+                                  <a:latin typeface="Cambria Math" panose="02040503050406030204" pitchFamily="18" charset="0"/>
+                                  <a:ea typeface="Noto Sans Adlam" panose="020B0502040504020204" pitchFamily="34" charset="0"/>
+                                  <a:cs typeface="Noto Sans Adlam" panose="020B0502040504020204" pitchFamily="34" charset="0"/>
+                                </a:rPr>
+                                <m:t>0.3</m:t>
+                              </m:r>
+                            </m:sub>
+                          </m:sSub>
+                        </m:oMath>
+                      </m:oMathPara>
+                    </a14:m>
+                    <a:endParaRPr lang="en-US" sz="1400" dirty="0">
+                      <a:ln>
+                        <a:solidFill>
+                          <a:srgbClr val="F34213"/>
+                        </a:solidFill>
+                      </a:ln>
+                      <a:solidFill>
+                        <a:srgbClr val="8E8D8A"/>
+                      </a:solidFill>
+                      <a:latin typeface="Noto Sans Adlam" panose="020B0502040504020204" pitchFamily="34" charset="0"/>
+                      <a:ea typeface="Noto Sans Adlam" panose="020B0502040504020204" pitchFamily="34" charset="0"/>
+                      <a:cs typeface="Noto Sans Adlam" panose="020B0502040504020204" pitchFamily="34" charset="0"/>
+                    </a:endParaRPr>
+                  </a:p>
+                </p:txBody>
+              </p:sp>
+            </mc:Choice>
+            <mc:Fallback xmlns="">
+              <p:sp>
+                <p:nvSpPr>
+                  <p:cNvPr id="98" name="Textfeld 97">
+                    <a:extLst>
+                      <a:ext uri="{FF2B5EF4-FFF2-40B4-BE49-F238E27FC236}">
+                        <a16:creationId xmlns:a16="http://schemas.microsoft.com/office/drawing/2014/main" id="{25305DA6-BF10-6143-93AE-DDD54F289B0A}"/>
+                      </a:ext>
+                    </a:extLst>
+                  </p:cNvPr>
+                  <p:cNvSpPr txBox="1">
+                    <a:spLocks noRot="1" noChangeAspect="1" noMove="1" noResize="1" noEditPoints="1" noAdjustHandles="1" noChangeArrowheads="1" noChangeShapeType="1" noTextEdit="1"/>
+                  </p:cNvSpPr>
+                  <p:nvPr/>
+                </p:nvSpPr>
+                <p:spPr>
+                  <a:xfrm>
+                    <a:off x="5150504" y="4408229"/>
+                    <a:ext cx="428168" cy="307777"/>
+                  </a:xfrm>
+                  <a:prstGeom prst="rect">
+                    <a:avLst/>
+                  </a:prstGeom>
+                  <a:blipFill>
+                    <a:blip r:embed="rId21"/>
+                    <a:stretch>
+                      <a:fillRect/>
+                    </a:stretch>
+                  </a:blipFill>
+                </p:spPr>
+                <p:txBody>
+                  <a:bodyPr/>
+                  <a:lstStyle/>
+                  <a:p>
+                    <a:r>
+                      <a:rPr lang="en-US">
+                        <a:noFill/>
+                      </a:rPr>
+                      <a:t> </a:t>
+                    </a:r>
+                  </a:p>
+                </p:txBody>
+              </p:sp>
+            </mc:Fallback>
+          </mc:AlternateContent>
+        </p:grpSp>
+        <p:grpSp>
+          <p:nvGrpSpPr>
+            <p:cNvPr id="91" name="Gruppieren 90">
+              <a:extLst>
+                <a:ext uri="{FF2B5EF4-FFF2-40B4-BE49-F238E27FC236}">
+                  <a16:creationId xmlns:a16="http://schemas.microsoft.com/office/drawing/2014/main" id="{C92C7F5E-F815-A448-8A48-13DE7E39D5C6}"/>
+                </a:ext>
+              </a:extLst>
+            </p:cNvPr>
+            <p:cNvGrpSpPr/>
+            <p:nvPr/>
+          </p:nvGrpSpPr>
+          <p:grpSpPr>
+            <a:xfrm>
+              <a:off x="5376613" y="3550557"/>
+              <a:ext cx="1418137" cy="0"/>
+              <a:chOff x="5376613" y="3207657"/>
+              <a:chExt cx="1418137" cy="0"/>
+            </a:xfrm>
+          </p:grpSpPr>
+          <p:cxnSp>
+            <p:nvCxnSpPr>
+              <p:cNvPr id="95" name="Gerade Verbindung mit Pfeil 94">
+                <a:extLst>
+                  <a:ext uri="{FF2B5EF4-FFF2-40B4-BE49-F238E27FC236}">
+                    <a16:creationId xmlns:a16="http://schemas.microsoft.com/office/drawing/2014/main" id="{B8CF658B-3E5D-8147-AA9D-8AFB2821E46A}"/>
+                  </a:ext>
+                </a:extLst>
+              </p:cNvPr>
+              <p:cNvCxnSpPr>
+                <a:cxnSpLocks/>
+              </p:cNvCxnSpPr>
+              <p:nvPr/>
+            </p:nvCxnSpPr>
+            <p:spPr>
+              <a:xfrm flipH="1">
+                <a:off x="5376613" y="3207657"/>
+                <a:ext cx="540000" cy="0"/>
+              </a:xfrm>
+              <a:prstGeom prst="straightConnector1">
+                <a:avLst/>
+              </a:prstGeom>
+              <a:ln w="38100">
+                <a:solidFill>
+                  <a:srgbClr val="F34213"/>
+                </a:solidFill>
+                <a:tailEnd type="triangle"/>
+              </a:ln>
+            </p:spPr>
+            <p:style>
+              <a:lnRef idx="1">
+                <a:schemeClr val="accent1"/>
+              </a:lnRef>
+              <a:fillRef idx="0">
+                <a:schemeClr val="accent1"/>
+              </a:fillRef>
+              <a:effectRef idx="0">
+                <a:schemeClr val="accent1"/>
+              </a:effectRef>
+              <a:fontRef idx="minor">
+                <a:schemeClr val="tx1"/>
+              </a:fontRef>
+            </p:style>
+          </p:cxnSp>
+          <p:cxnSp>
+            <p:nvCxnSpPr>
+              <p:cNvPr id="96" name="Gerade Verbindung mit Pfeil 95">
+                <a:extLst>
+                  <a:ext uri="{FF2B5EF4-FFF2-40B4-BE49-F238E27FC236}">
+                    <a16:creationId xmlns:a16="http://schemas.microsoft.com/office/drawing/2014/main" id="{56AEB8B0-7606-234E-8885-815922C95E5E}"/>
+                  </a:ext>
+                </a:extLst>
+              </p:cNvPr>
+              <p:cNvCxnSpPr>
+                <a:cxnSpLocks/>
+              </p:cNvCxnSpPr>
+              <p:nvPr/>
+            </p:nvCxnSpPr>
+            <p:spPr>
+              <a:xfrm>
+                <a:off x="6254750" y="3207657"/>
+                <a:ext cx="540000" cy="0"/>
+              </a:xfrm>
+              <a:prstGeom prst="straightConnector1">
+                <a:avLst/>
+              </a:prstGeom>
+              <a:ln w="38100">
+                <a:solidFill>
+                  <a:srgbClr val="F34213"/>
+                </a:solidFill>
+                <a:tailEnd type="triangle"/>
+              </a:ln>
+            </p:spPr>
+            <p:style>
+              <a:lnRef idx="1">
+                <a:schemeClr val="accent1"/>
+              </a:lnRef>
+              <a:fillRef idx="0">
+                <a:schemeClr val="accent1"/>
+              </a:fillRef>
+              <a:effectRef idx="0">
+                <a:schemeClr val="accent1"/>
+              </a:effectRef>
+              <a:fontRef idx="minor">
+                <a:schemeClr val="tx1"/>
+              </a:fontRef>
+            </p:style>
+          </p:cxnSp>
+        </p:grpSp>
+        <p:grpSp>
+          <p:nvGrpSpPr>
+            <p:cNvPr id="92" name="Gruppieren 91">
+              <a:extLst>
+                <a:ext uri="{FF2B5EF4-FFF2-40B4-BE49-F238E27FC236}">
+                  <a16:creationId xmlns:a16="http://schemas.microsoft.com/office/drawing/2014/main" id="{C93243CC-A82D-C448-B969-E2B2476F67DC}"/>
+                </a:ext>
+              </a:extLst>
+            </p:cNvPr>
+            <p:cNvGrpSpPr/>
+            <p:nvPr/>
+          </p:nvGrpSpPr>
+          <p:grpSpPr>
+            <a:xfrm>
+              <a:off x="2160764" y="2959575"/>
+              <a:ext cx="1394521" cy="276999"/>
+              <a:chOff x="1992603" y="2707333"/>
+              <a:chExt cx="1394521" cy="276999"/>
+            </a:xfrm>
+          </p:grpSpPr>
+          <p:sp>
+            <p:nvSpPr>
+              <p:cNvPr id="93" name="Textfeld 92">
+                <a:extLst>
+                  <a:ext uri="{FF2B5EF4-FFF2-40B4-BE49-F238E27FC236}">
+                    <a16:creationId xmlns:a16="http://schemas.microsoft.com/office/drawing/2014/main" id="{0DEBC344-D8D0-5749-983D-72D7FE70A9E8}"/>
+                  </a:ext>
+                </a:extLst>
+              </p:cNvPr>
+              <p:cNvSpPr txBox="1"/>
+              <p:nvPr/>
+            </p:nvSpPr>
+            <p:spPr>
+              <a:xfrm>
+                <a:off x="2135188" y="2707333"/>
+                <a:ext cx="1251936" cy="276999"/>
+              </a:xfrm>
+              <a:prstGeom prst="rect">
+                <a:avLst/>
+              </a:prstGeom>
+              <a:noFill/>
+            </p:spPr>
+            <p:txBody>
+              <a:bodyPr wrap="square" rtlCol="0">
+                <a:spAutoFit/>
+              </a:bodyPr>
+              <a:lstStyle/>
+              <a:p>
+                <a:r>
+                  <a:rPr lang="en-US" sz="1200" dirty="0"/>
+                  <a:t>Interval based</a:t>
+                </a:r>
+              </a:p>
+            </p:txBody>
+          </p:sp>
+          <p:pic>
+            <p:nvPicPr>
+              <p:cNvPr id="94" name="Grafik 93">
+                <a:extLst>
+                  <a:ext uri="{FF2B5EF4-FFF2-40B4-BE49-F238E27FC236}">
+                    <a16:creationId xmlns:a16="http://schemas.microsoft.com/office/drawing/2014/main" id="{FD439366-53CA-A444-9DD9-7B436AFF4EE8}"/>
+                  </a:ext>
+                </a:extLst>
+              </p:cNvPr>
+              <p:cNvPicPr>
+                <a:picLocks noChangeAspect="1"/>
+              </p:cNvPicPr>
+              <p:nvPr/>
+            </p:nvPicPr>
+            <p:blipFill>
+              <a:blip r:embed="rId14">
+                <a:grayscl/>
+              </a:blip>
+              <a:stretch>
+                <a:fillRect/>
+              </a:stretch>
+            </p:blipFill>
+            <p:spPr>
+              <a:xfrm>
+                <a:off x="1992603" y="2743200"/>
+                <a:ext cx="202745" cy="202745"/>
+              </a:xfrm>
+              <a:prstGeom prst="rect">
+                <a:avLst/>
+              </a:prstGeom>
+            </p:spPr>
+          </p:pic>
+        </p:grpSp>
+      </p:grpSp>
+    </p:spTree>
+    <p:extLst>
+      <p:ext uri="{BB962C8B-B14F-4D97-AF65-F5344CB8AC3E}">
+        <p14:creationId xmlns:p14="http://schemas.microsoft.com/office/powerpoint/2010/main" val="1364581035"/>
       </p:ext>
     </p:extLst>
   </p:cSld>

--- a/presentations/Images/second_präsentation_qsa_grafik.pptx
+++ b/presentations/Images/second_präsentation_qsa_grafik.pptx
@@ -307,7 +307,7 @@
           <a:p>
             <a:fld id="{9BB72546-5250-EB4D-8A80-4FEF2C469132}" type="datetimeFigureOut">
               <a:rPr lang="en-US" smtClean="0"/>
-              <a:t>2/8/22</a:t>
+              <a:t>2/11/22</a:t>
             </a:fld>
             <a:endParaRPr lang="en-US"/>
           </a:p>
@@ -507,7 +507,7 @@
           <a:p>
             <a:fld id="{9BB72546-5250-EB4D-8A80-4FEF2C469132}" type="datetimeFigureOut">
               <a:rPr lang="en-US" smtClean="0"/>
-              <a:t>2/8/22</a:t>
+              <a:t>2/11/22</a:t>
             </a:fld>
             <a:endParaRPr lang="en-US"/>
           </a:p>
@@ -717,7 +717,7 @@
           <a:p>
             <a:fld id="{9BB72546-5250-EB4D-8A80-4FEF2C469132}" type="datetimeFigureOut">
               <a:rPr lang="en-US" smtClean="0"/>
-              <a:t>2/8/22</a:t>
+              <a:t>2/11/22</a:t>
             </a:fld>
             <a:endParaRPr lang="en-US"/>
           </a:p>
@@ -917,7 +917,7 @@
           <a:p>
             <a:fld id="{9BB72546-5250-EB4D-8A80-4FEF2C469132}" type="datetimeFigureOut">
               <a:rPr lang="en-US" smtClean="0"/>
-              <a:t>2/8/22</a:t>
+              <a:t>2/11/22</a:t>
             </a:fld>
             <a:endParaRPr lang="en-US"/>
           </a:p>
@@ -1193,7 +1193,7 @@
           <a:p>
             <a:fld id="{9BB72546-5250-EB4D-8A80-4FEF2C469132}" type="datetimeFigureOut">
               <a:rPr lang="en-US" smtClean="0"/>
-              <a:t>2/8/22</a:t>
+              <a:t>2/11/22</a:t>
             </a:fld>
             <a:endParaRPr lang="en-US"/>
           </a:p>
@@ -1461,7 +1461,7 @@
           <a:p>
             <a:fld id="{9BB72546-5250-EB4D-8A80-4FEF2C469132}" type="datetimeFigureOut">
               <a:rPr lang="en-US" smtClean="0"/>
-              <a:t>2/8/22</a:t>
+              <a:t>2/11/22</a:t>
             </a:fld>
             <a:endParaRPr lang="en-US"/>
           </a:p>
@@ -1876,7 +1876,7 @@
           <a:p>
             <a:fld id="{9BB72546-5250-EB4D-8A80-4FEF2C469132}" type="datetimeFigureOut">
               <a:rPr lang="en-US" smtClean="0"/>
-              <a:t>2/8/22</a:t>
+              <a:t>2/11/22</a:t>
             </a:fld>
             <a:endParaRPr lang="en-US"/>
           </a:p>
@@ -2018,7 +2018,7 @@
           <a:p>
             <a:fld id="{9BB72546-5250-EB4D-8A80-4FEF2C469132}" type="datetimeFigureOut">
               <a:rPr lang="en-US" smtClean="0"/>
-              <a:t>2/8/22</a:t>
+              <a:t>2/11/22</a:t>
             </a:fld>
             <a:endParaRPr lang="en-US"/>
           </a:p>
@@ -2131,7 +2131,7 @@
           <a:p>
             <a:fld id="{9BB72546-5250-EB4D-8A80-4FEF2C469132}" type="datetimeFigureOut">
               <a:rPr lang="en-US" smtClean="0"/>
-              <a:t>2/8/22</a:t>
+              <a:t>2/11/22</a:t>
             </a:fld>
             <a:endParaRPr lang="en-US"/>
           </a:p>
@@ -2444,7 +2444,7 @@
           <a:p>
             <a:fld id="{9BB72546-5250-EB4D-8A80-4FEF2C469132}" type="datetimeFigureOut">
               <a:rPr lang="en-US" smtClean="0"/>
-              <a:t>2/8/22</a:t>
+              <a:t>2/11/22</a:t>
             </a:fld>
             <a:endParaRPr lang="en-US"/>
           </a:p>
@@ -2733,7 +2733,7 @@
           <a:p>
             <a:fld id="{9BB72546-5250-EB4D-8A80-4FEF2C469132}" type="datetimeFigureOut">
               <a:rPr lang="en-US" smtClean="0"/>
-              <a:t>2/8/22</a:t>
+              <a:t>2/11/22</a:t>
             </a:fld>
             <a:endParaRPr lang="en-US"/>
           </a:p>
@@ -2976,7 +2976,7 @@
           <a:p>
             <a:fld id="{9BB72546-5250-EB4D-8A80-4FEF2C469132}" type="datetimeFigureOut">
               <a:rPr lang="en-US" smtClean="0"/>
-              <a:t>2/8/22</a:t>
+              <a:t>2/11/22</a:t>
             </a:fld>
             <a:endParaRPr lang="en-US"/>
           </a:p>
@@ -5475,6 +5475,143 @@
           </p:pic>
         </p:grpSp>
       </p:grpSp>
+      <mc:AlternateContent xmlns:mc="http://schemas.openxmlformats.org/markup-compatibility/2006" xmlns:a14="http://schemas.microsoft.com/office/drawing/2010/main">
+        <mc:Choice Requires="a14">
+          <p:sp>
+            <p:nvSpPr>
+              <p:cNvPr id="31" name="Textfeld 30">
+                <a:extLst>
+                  <a:ext uri="{FF2B5EF4-FFF2-40B4-BE49-F238E27FC236}">
+                    <a16:creationId xmlns:a16="http://schemas.microsoft.com/office/drawing/2014/main" id="{CF618843-AD73-5546-9D45-52DA2BD63E0C}"/>
+                  </a:ext>
+                </a:extLst>
+              </p:cNvPr>
+              <p:cNvSpPr txBox="1"/>
+              <p:nvPr/>
+            </p:nvSpPr>
+            <p:spPr>
+              <a:xfrm>
+                <a:off x="7314123" y="3610844"/>
+                <a:ext cx="428168" cy="307777"/>
+              </a:xfrm>
+              <a:prstGeom prst="rect">
+                <a:avLst/>
+              </a:prstGeom>
+              <a:noFill/>
+            </p:spPr>
+            <p:txBody>
+              <a:bodyPr wrap="square" rtlCol="0">
+                <a:spAutoFit/>
+              </a:bodyPr>
+              <a:lstStyle/>
+              <a:p>
+                <a:pPr algn="ctr"/>
+                <a14:m>
+                  <m:oMathPara xmlns:m="http://schemas.openxmlformats.org/officeDocument/2006/math">
+                    <m:oMathParaPr>
+                      <m:jc m:val="center"/>
+                    </m:oMathParaPr>
+                    <m:oMath xmlns:m="http://schemas.openxmlformats.org/officeDocument/2006/math">
+                      <m:sSub>
+                        <m:sSubPr>
+                          <m:ctrlPr>
+                            <a:rPr lang="de-DE" sz="1400" b="0" i="1" smtClean="0">
+                              <a:solidFill>
+                                <a:srgbClr val="8E8D8A"/>
+                              </a:solidFill>
+                              <a:latin typeface="Cambria Math" panose="02040503050406030204" pitchFamily="18" charset="0"/>
+                              <a:ea typeface="Noto Sans Adlam" panose="020B0502040504020204" pitchFamily="34" charset="0"/>
+                              <a:cs typeface="Noto Sans Adlam" panose="020B0502040504020204" pitchFamily="34" charset="0"/>
+                            </a:rPr>
+                          </m:ctrlPr>
+                        </m:sSubPr>
+                        <m:e>
+                          <m:r>
+                            <a:rPr lang="de-DE" sz="1400" b="0" i="1" smtClean="0">
+                              <a:solidFill>
+                                <a:srgbClr val="8E8D8A"/>
+                              </a:solidFill>
+                              <a:latin typeface="Cambria Math" panose="02040503050406030204" pitchFamily="18" charset="0"/>
+                              <a:ea typeface="Noto Sans Adlam" panose="020B0502040504020204" pitchFamily="34" charset="0"/>
+                              <a:cs typeface="Noto Sans Adlam" panose="020B0502040504020204" pitchFamily="34" charset="0"/>
+                            </a:rPr>
+                            <m:t>𝑞</m:t>
+                          </m:r>
+                        </m:e>
+                        <m:sub>
+                          <m:r>
+                            <a:rPr lang="de-DE" sz="1400" b="0" i="1" smtClean="0">
+                              <a:solidFill>
+                                <a:srgbClr val="8E8D8A"/>
+                              </a:solidFill>
+                              <a:latin typeface="Cambria Math" panose="02040503050406030204" pitchFamily="18" charset="0"/>
+                              <a:ea typeface="Noto Sans Adlam" panose="020B0502040504020204" pitchFamily="34" charset="0"/>
+                              <a:cs typeface="Noto Sans Adlam" panose="020B0502040504020204" pitchFamily="34" charset="0"/>
+                            </a:rPr>
+                            <m:t>0.6</m:t>
+                          </m:r>
+                        </m:sub>
+                      </m:sSub>
+                    </m:oMath>
+                  </m:oMathPara>
+                </a14:m>
+                <a:endParaRPr lang="en-US" sz="1400" dirty="0">
+                  <a:solidFill>
+                    <a:srgbClr val="8E8D8A"/>
+                  </a:solidFill>
+                  <a:latin typeface="Noto Sans Adlam" panose="020B0502040504020204" pitchFamily="34" charset="0"/>
+                  <a:ea typeface="Noto Sans Adlam" panose="020B0502040504020204" pitchFamily="34" charset="0"/>
+                  <a:cs typeface="Noto Sans Adlam" panose="020B0502040504020204" pitchFamily="34" charset="0"/>
+                </a:endParaRPr>
+              </a:p>
+            </p:txBody>
+          </p:sp>
+        </mc:Choice>
+        <mc:Fallback xmlns="">
+          <p:sp>
+            <p:nvSpPr>
+              <p:cNvPr id="31" name="Textfeld 30">
+                <a:extLst>
+                  <a:ext uri="{FF2B5EF4-FFF2-40B4-BE49-F238E27FC236}">
+                    <a16:creationId xmlns:a16="http://schemas.microsoft.com/office/drawing/2014/main" id="{CF618843-AD73-5546-9D45-52DA2BD63E0C}"/>
+                  </a:ext>
+                </a:extLst>
+              </p:cNvPr>
+              <p:cNvSpPr txBox="1">
+                <a:spLocks noRot="1" noChangeAspect="1" noMove="1" noResize="1" noEditPoints="1" noAdjustHandles="1" noChangeArrowheads="1" noChangeShapeType="1" noTextEdit="1"/>
+              </p:cNvSpPr>
+              <p:nvPr/>
+            </p:nvSpPr>
+            <p:spPr>
+              <a:xfrm>
+                <a:off x="7314123" y="3610844"/>
+                <a:ext cx="428168" cy="307777"/>
+              </a:xfrm>
+              <a:prstGeom prst="rect">
+                <a:avLst/>
+              </a:prstGeom>
+              <a:blipFill>
+                <a:blip r:embed="rId11"/>
+                <a:stretch>
+                  <a:fillRect l="-2941" b="-8000"/>
+                </a:stretch>
+              </a:blipFill>
+            </p:spPr>
+            <p:txBody>
+              <a:bodyPr/>
+              <a:lstStyle/>
+              <a:p>
+                <a:r>
+                  <a:rPr lang="en-US">
+                    <a:noFill/>
+                  </a:rPr>
+                  <a:t> </a:t>
+                </a:r>
+              </a:p>
+            </p:txBody>
+          </p:sp>
+        </mc:Fallback>
+      </mc:AlternateContent>
     </p:spTree>
     <p:extLst>
       <p:ext uri="{BB962C8B-B14F-4D97-AF65-F5344CB8AC3E}">
@@ -14107,6 +14244,143 @@
           </p:pic>
         </p:grpSp>
       </p:grpSp>
+      <mc:AlternateContent xmlns:mc="http://schemas.openxmlformats.org/markup-compatibility/2006">
+        <mc:Choice xmlns:a14="http://schemas.microsoft.com/office/drawing/2010/main" Requires="a14">
+          <p:sp>
+            <p:nvSpPr>
+              <p:cNvPr id="80" name="Textfeld 79">
+                <a:extLst>
+                  <a:ext uri="{FF2B5EF4-FFF2-40B4-BE49-F238E27FC236}">
+                    <a16:creationId xmlns:a16="http://schemas.microsoft.com/office/drawing/2014/main" id="{FF7824A2-D4DF-C34C-8E14-A5C81E6DB896}"/>
+                  </a:ext>
+                </a:extLst>
+              </p:cNvPr>
+              <p:cNvSpPr txBox="1"/>
+              <p:nvPr/>
+            </p:nvSpPr>
+            <p:spPr>
+              <a:xfrm>
+                <a:off x="7326428" y="930880"/>
+                <a:ext cx="428168" cy="307777"/>
+              </a:xfrm>
+              <a:prstGeom prst="rect">
+                <a:avLst/>
+              </a:prstGeom>
+              <a:noFill/>
+            </p:spPr>
+            <p:txBody>
+              <a:bodyPr wrap="square" rtlCol="0">
+                <a:spAutoFit/>
+              </a:bodyPr>
+              <a:lstStyle/>
+              <a:p>
+                <a:pPr algn="ctr"/>
+                <a14:m>
+                  <m:oMathPara xmlns:m="http://schemas.openxmlformats.org/officeDocument/2006/math">
+                    <m:oMathParaPr>
+                      <m:jc m:val="center"/>
+                    </m:oMathParaPr>
+                    <m:oMath xmlns:m="http://schemas.openxmlformats.org/officeDocument/2006/math">
+                      <m:sSub>
+                        <m:sSubPr>
+                          <m:ctrlPr>
+                            <a:rPr lang="de-DE" sz="1400" b="0" i="1" smtClean="0">
+                              <a:solidFill>
+                                <a:srgbClr val="8E8D8A"/>
+                              </a:solidFill>
+                              <a:latin typeface="Cambria Math" panose="02040503050406030204" pitchFamily="18" charset="0"/>
+                              <a:ea typeface="Noto Sans Adlam" panose="020B0502040504020204" pitchFamily="34" charset="0"/>
+                              <a:cs typeface="Noto Sans Adlam" panose="020B0502040504020204" pitchFamily="34" charset="0"/>
+                            </a:rPr>
+                          </m:ctrlPr>
+                        </m:sSubPr>
+                        <m:e>
+                          <m:r>
+                            <a:rPr lang="de-DE" sz="1400" b="0" i="1" smtClean="0">
+                              <a:solidFill>
+                                <a:srgbClr val="8E8D8A"/>
+                              </a:solidFill>
+                              <a:latin typeface="Cambria Math" panose="02040503050406030204" pitchFamily="18" charset="0"/>
+                              <a:ea typeface="Noto Sans Adlam" panose="020B0502040504020204" pitchFamily="34" charset="0"/>
+                              <a:cs typeface="Noto Sans Adlam" panose="020B0502040504020204" pitchFamily="34" charset="0"/>
+                            </a:rPr>
+                            <m:t>𝑞</m:t>
+                          </m:r>
+                        </m:e>
+                        <m:sub>
+                          <m:r>
+                            <a:rPr lang="de-DE" sz="1400" b="0" i="1" smtClean="0">
+                              <a:solidFill>
+                                <a:srgbClr val="8E8D8A"/>
+                              </a:solidFill>
+                              <a:latin typeface="Cambria Math" panose="02040503050406030204" pitchFamily="18" charset="0"/>
+                              <a:ea typeface="Noto Sans Adlam" panose="020B0502040504020204" pitchFamily="34" charset="0"/>
+                              <a:cs typeface="Noto Sans Adlam" panose="020B0502040504020204" pitchFamily="34" charset="0"/>
+                            </a:rPr>
+                            <m:t>0.6</m:t>
+                          </m:r>
+                        </m:sub>
+                      </m:sSub>
+                    </m:oMath>
+                  </m:oMathPara>
+                </a14:m>
+                <a:endParaRPr lang="en-US" sz="1400" dirty="0">
+                  <a:solidFill>
+                    <a:srgbClr val="8E8D8A"/>
+                  </a:solidFill>
+                  <a:latin typeface="Noto Sans Adlam" panose="020B0502040504020204" pitchFamily="34" charset="0"/>
+                  <a:ea typeface="Noto Sans Adlam" panose="020B0502040504020204" pitchFamily="34" charset="0"/>
+                  <a:cs typeface="Noto Sans Adlam" panose="020B0502040504020204" pitchFamily="34" charset="0"/>
+                </a:endParaRPr>
+              </a:p>
+            </p:txBody>
+          </p:sp>
+        </mc:Choice>
+        <mc:Fallback>
+          <p:sp>
+            <p:nvSpPr>
+              <p:cNvPr id="80" name="Textfeld 79">
+                <a:extLst>
+                  <a:ext uri="{FF2B5EF4-FFF2-40B4-BE49-F238E27FC236}">
+                    <a16:creationId xmlns:a16="http://schemas.microsoft.com/office/drawing/2014/main" id="{FF7824A2-D4DF-C34C-8E14-A5C81E6DB896}"/>
+                  </a:ext>
+                </a:extLst>
+              </p:cNvPr>
+              <p:cNvSpPr txBox="1">
+                <a:spLocks noRot="1" noChangeAspect="1" noMove="1" noResize="1" noEditPoints="1" noAdjustHandles="1" noChangeArrowheads="1" noChangeShapeType="1" noTextEdit="1"/>
+              </p:cNvSpPr>
+              <p:nvPr/>
+            </p:nvSpPr>
+            <p:spPr>
+              <a:xfrm>
+                <a:off x="7326428" y="930880"/>
+                <a:ext cx="428168" cy="307777"/>
+              </a:xfrm>
+              <a:prstGeom prst="rect">
+                <a:avLst/>
+              </a:prstGeom>
+              <a:blipFill>
+                <a:blip r:embed="rId21"/>
+                <a:stretch>
+                  <a:fillRect b="-8000"/>
+                </a:stretch>
+              </a:blipFill>
+            </p:spPr>
+            <p:txBody>
+              <a:bodyPr/>
+              <a:lstStyle/>
+              <a:p>
+                <a:r>
+                  <a:rPr lang="en-US">
+                    <a:noFill/>
+                  </a:rPr>
+                  <a:t> </a:t>
+                </a:r>
+              </a:p>
+            </p:txBody>
+          </p:sp>
+        </mc:Fallback>
+      </mc:AlternateContent>
     </p:spTree>
     <p:extLst>
       <p:ext uri="{BB962C8B-B14F-4D97-AF65-F5344CB8AC3E}">
